--- a/Final Presentation.pptx
+++ b/Final Presentation.pptx
@@ -4,14 +4,18 @@
   <p:sldMasterIdLst>
     <p:sldMasterId id="2147483648" r:id="rId1"/>
   </p:sldMasterIdLst>
+  <p:notesMasterIdLst>
+    <p:notesMasterId r:id="rId10"/>
+  </p:notesMasterIdLst>
   <p:sldIdLst>
     <p:sldId id="256" r:id="rId2"/>
     <p:sldId id="257" r:id="rId3"/>
     <p:sldId id="260" r:id="rId4"/>
-    <p:sldId id="263" r:id="rId5"/>
-    <p:sldId id="261" r:id="rId6"/>
-    <p:sldId id="259" r:id="rId7"/>
-    <p:sldId id="258" r:id="rId8"/>
+    <p:sldId id="262" r:id="rId5"/>
+    <p:sldId id="263" r:id="rId6"/>
+    <p:sldId id="261" r:id="rId7"/>
+    <p:sldId id="259" r:id="rId8"/>
+    <p:sldId id="258" r:id="rId9"/>
   </p:sldIdLst>
   <p:sldSz cx="12192000" cy="6858000"/>
   <p:notesSz cx="6858000" cy="9144000"/>
@@ -110,6 +114,11 @@
       </a:defRPr>
     </a:lvl9pPr>
   </p:defaultTextStyle>
+  <p:extLst>
+    <p:ext uri="{EFAFB233-063F-42B5-8137-9DF3F51BA10A}">
+      <p15:sldGuideLst xmlns:p15="http://schemas.microsoft.com/office/powerpoint/2012/main"/>
+    </p:ext>
+  </p:extLst>
 </p:presentation>
 </file>
 
@@ -3113,6 +3122,450 @@
 </dgm:styleDef>
 </file>
 
+<file path=ppt/notesMasters/notesMaster1.xml><?xml version="1.0" encoding="utf-8"?>
+<p:notesMaster xmlns:a="http://schemas.openxmlformats.org/drawingml/2006/main" xmlns:r="http://schemas.openxmlformats.org/officeDocument/2006/relationships" xmlns:p="http://schemas.openxmlformats.org/presentationml/2006/main">
+  <p:cSld>
+    <p:bg>
+      <p:bgRef idx="1001">
+        <a:schemeClr val="bg1"/>
+      </p:bgRef>
+    </p:bg>
+    <p:spTree>
+      <p:nvGrpSpPr>
+        <p:cNvPr id="1" name=""/>
+        <p:cNvGrpSpPr/>
+        <p:nvPr/>
+      </p:nvGrpSpPr>
+      <p:grpSpPr>
+        <a:xfrm>
+          <a:off x="0" y="0"/>
+          <a:ext cx="0" cy="0"/>
+          <a:chOff x="0" y="0"/>
+          <a:chExt cx="0" cy="0"/>
+        </a:xfrm>
+      </p:grpSpPr>
+      <p:sp>
+        <p:nvSpPr>
+          <p:cNvPr id="2" name="Header Placeholder 1"/>
+          <p:cNvSpPr>
+            <a:spLocks noGrp="1"/>
+          </p:cNvSpPr>
+          <p:nvPr>
+            <p:ph type="hdr" sz="quarter"/>
+          </p:nvPr>
+        </p:nvSpPr>
+        <p:spPr>
+          <a:xfrm>
+            <a:off x="0" y="0"/>
+            <a:ext cx="2971800" cy="458788"/>
+          </a:xfrm>
+          <a:prstGeom prst="rect">
+            <a:avLst/>
+          </a:prstGeom>
+        </p:spPr>
+        <p:txBody>
+          <a:bodyPr vert="horz" lIns="91440" tIns="45720" rIns="91440" bIns="45720" rtlCol="0"/>
+          <a:lstStyle>
+            <a:lvl1pPr algn="l">
+              <a:defRPr sz="1200"/>
+            </a:lvl1pPr>
+          </a:lstStyle>
+          <a:p>
+            <a:endParaRPr lang="en-US"/>
+          </a:p>
+        </p:txBody>
+      </p:sp>
+      <p:sp>
+        <p:nvSpPr>
+          <p:cNvPr id="3" name="Date Placeholder 2"/>
+          <p:cNvSpPr>
+            <a:spLocks noGrp="1"/>
+          </p:cNvSpPr>
+          <p:nvPr>
+            <p:ph type="dt" idx="1"/>
+          </p:nvPr>
+        </p:nvSpPr>
+        <p:spPr>
+          <a:xfrm>
+            <a:off x="3884613" y="0"/>
+            <a:ext cx="2971800" cy="458788"/>
+          </a:xfrm>
+          <a:prstGeom prst="rect">
+            <a:avLst/>
+          </a:prstGeom>
+        </p:spPr>
+        <p:txBody>
+          <a:bodyPr vert="horz" lIns="91440" tIns="45720" rIns="91440" bIns="45720" rtlCol="0"/>
+          <a:lstStyle>
+            <a:lvl1pPr algn="r">
+              <a:defRPr sz="1200"/>
+            </a:lvl1pPr>
+          </a:lstStyle>
+          <a:p>
+            <a:fld id="{4687EAA8-06ED-874F-A409-BB0C78F27601}" type="datetimeFigureOut">
+              <a:rPr lang="en-US" smtClean="0"/>
+              <a:t>4/17/18</a:t>
+            </a:fld>
+            <a:endParaRPr lang="en-US"/>
+          </a:p>
+        </p:txBody>
+      </p:sp>
+      <p:sp>
+        <p:nvSpPr>
+          <p:cNvPr id="4" name="Slide Image Placeholder 3"/>
+          <p:cNvSpPr>
+            <a:spLocks noGrp="1" noRot="1" noChangeAspect="1"/>
+          </p:cNvSpPr>
+          <p:nvPr>
+            <p:ph type="sldImg" idx="2"/>
+          </p:nvPr>
+        </p:nvSpPr>
+        <p:spPr>
+          <a:xfrm>
+            <a:off x="685800" y="1143000"/>
+            <a:ext cx="5486400" cy="3086100"/>
+          </a:xfrm>
+          <a:prstGeom prst="rect">
+            <a:avLst/>
+          </a:prstGeom>
+          <a:noFill/>
+          <a:ln w="12700">
+            <a:solidFill>
+              <a:prstClr val="black"/>
+            </a:solidFill>
+          </a:ln>
+        </p:spPr>
+        <p:txBody>
+          <a:bodyPr vert="horz" lIns="91440" tIns="45720" rIns="91440" bIns="45720" rtlCol="0" anchor="ctr"/>
+          <a:lstStyle/>
+          <a:p>
+            <a:endParaRPr lang="en-US"/>
+          </a:p>
+        </p:txBody>
+      </p:sp>
+      <p:sp>
+        <p:nvSpPr>
+          <p:cNvPr id="5" name="Notes Placeholder 4"/>
+          <p:cNvSpPr>
+            <a:spLocks noGrp="1"/>
+          </p:cNvSpPr>
+          <p:nvPr>
+            <p:ph type="body" sz="quarter" idx="3"/>
+          </p:nvPr>
+        </p:nvSpPr>
+        <p:spPr>
+          <a:xfrm>
+            <a:off x="685800" y="4400550"/>
+            <a:ext cx="5486400" cy="3600450"/>
+          </a:xfrm>
+          <a:prstGeom prst="rect">
+            <a:avLst/>
+          </a:prstGeom>
+        </p:spPr>
+        <p:txBody>
+          <a:bodyPr vert="horz" lIns="91440" tIns="45720" rIns="91440" bIns="45720" rtlCol="0"/>
+          <a:lstStyle/>
+          <a:p>
+            <a:pPr lvl="0"/>
+            <a:r>
+              <a:rPr lang="en-US"/>
+              <a:t>Edit Master text styles</a:t>
+            </a:r>
+          </a:p>
+          <a:p>
+            <a:pPr lvl="1"/>
+            <a:r>
+              <a:rPr lang="en-US"/>
+              <a:t>Second level</a:t>
+            </a:r>
+          </a:p>
+          <a:p>
+            <a:pPr lvl="2"/>
+            <a:r>
+              <a:rPr lang="en-US"/>
+              <a:t>Third level</a:t>
+            </a:r>
+          </a:p>
+          <a:p>
+            <a:pPr lvl="3"/>
+            <a:r>
+              <a:rPr lang="en-US"/>
+              <a:t>Fourth level</a:t>
+            </a:r>
+          </a:p>
+          <a:p>
+            <a:pPr lvl="4"/>
+            <a:r>
+              <a:rPr lang="en-US"/>
+              <a:t>Fifth level</a:t>
+            </a:r>
+          </a:p>
+        </p:txBody>
+      </p:sp>
+      <p:sp>
+        <p:nvSpPr>
+          <p:cNvPr id="6" name="Footer Placeholder 5"/>
+          <p:cNvSpPr>
+            <a:spLocks noGrp="1"/>
+          </p:cNvSpPr>
+          <p:nvPr>
+            <p:ph type="ftr" sz="quarter" idx="4"/>
+          </p:nvPr>
+        </p:nvSpPr>
+        <p:spPr>
+          <a:xfrm>
+            <a:off x="0" y="8685213"/>
+            <a:ext cx="2971800" cy="458787"/>
+          </a:xfrm>
+          <a:prstGeom prst="rect">
+            <a:avLst/>
+          </a:prstGeom>
+        </p:spPr>
+        <p:txBody>
+          <a:bodyPr vert="horz" lIns="91440" tIns="45720" rIns="91440" bIns="45720" rtlCol="0" anchor="b"/>
+          <a:lstStyle>
+            <a:lvl1pPr algn="l">
+              <a:defRPr sz="1200"/>
+            </a:lvl1pPr>
+          </a:lstStyle>
+          <a:p>
+            <a:endParaRPr lang="en-US"/>
+          </a:p>
+        </p:txBody>
+      </p:sp>
+      <p:sp>
+        <p:nvSpPr>
+          <p:cNvPr id="7" name="Slide Number Placeholder 6"/>
+          <p:cNvSpPr>
+            <a:spLocks noGrp="1"/>
+          </p:cNvSpPr>
+          <p:nvPr>
+            <p:ph type="sldNum" sz="quarter" idx="5"/>
+          </p:nvPr>
+        </p:nvSpPr>
+        <p:spPr>
+          <a:xfrm>
+            <a:off x="3884613" y="8685213"/>
+            <a:ext cx="2971800" cy="458787"/>
+          </a:xfrm>
+          <a:prstGeom prst="rect">
+            <a:avLst/>
+          </a:prstGeom>
+        </p:spPr>
+        <p:txBody>
+          <a:bodyPr vert="horz" lIns="91440" tIns="45720" rIns="91440" bIns="45720" rtlCol="0" anchor="b"/>
+          <a:lstStyle>
+            <a:lvl1pPr algn="r">
+              <a:defRPr sz="1200"/>
+            </a:lvl1pPr>
+          </a:lstStyle>
+          <a:p>
+            <a:fld id="{AB0B6913-53AF-6949-967C-9E01F5156920}" type="slidenum">
+              <a:rPr lang="en-US" smtClean="0"/>
+              <a:t>‹#›</a:t>
+            </a:fld>
+            <a:endParaRPr lang="en-US"/>
+          </a:p>
+        </p:txBody>
+      </p:sp>
+    </p:spTree>
+    <p:extLst>
+      <p:ext uri="{BB962C8B-B14F-4D97-AF65-F5344CB8AC3E}">
+        <p14:creationId xmlns:p14="http://schemas.microsoft.com/office/powerpoint/2010/main" val="3706163981"/>
+      </p:ext>
+    </p:extLst>
+  </p:cSld>
+  <p:clrMap bg1="lt1" tx1="dk1" bg2="lt2" tx2="dk2" accent1="accent1" accent2="accent2" accent3="accent3" accent4="accent4" accent5="accent5" accent6="accent6" hlink="hlink" folHlink="folHlink"/>
+  <p:notesStyle>
+    <a:lvl1pPr marL="0" algn="l" defTabSz="914400" rtl="0" eaLnBrk="1" latinLnBrk="0" hangingPunct="1">
+      <a:defRPr sz="1200" kern="1200">
+        <a:solidFill>
+          <a:schemeClr val="tx1"/>
+        </a:solidFill>
+        <a:latin typeface="+mn-lt"/>
+        <a:ea typeface="+mn-ea"/>
+        <a:cs typeface="+mn-cs"/>
+      </a:defRPr>
+    </a:lvl1pPr>
+    <a:lvl2pPr marL="457200" algn="l" defTabSz="914400" rtl="0" eaLnBrk="1" latinLnBrk="0" hangingPunct="1">
+      <a:defRPr sz="1200" kern="1200">
+        <a:solidFill>
+          <a:schemeClr val="tx1"/>
+        </a:solidFill>
+        <a:latin typeface="+mn-lt"/>
+        <a:ea typeface="+mn-ea"/>
+        <a:cs typeface="+mn-cs"/>
+      </a:defRPr>
+    </a:lvl2pPr>
+    <a:lvl3pPr marL="914400" algn="l" defTabSz="914400" rtl="0" eaLnBrk="1" latinLnBrk="0" hangingPunct="1">
+      <a:defRPr sz="1200" kern="1200">
+        <a:solidFill>
+          <a:schemeClr val="tx1"/>
+        </a:solidFill>
+        <a:latin typeface="+mn-lt"/>
+        <a:ea typeface="+mn-ea"/>
+        <a:cs typeface="+mn-cs"/>
+      </a:defRPr>
+    </a:lvl3pPr>
+    <a:lvl4pPr marL="1371600" algn="l" defTabSz="914400" rtl="0" eaLnBrk="1" latinLnBrk="0" hangingPunct="1">
+      <a:defRPr sz="1200" kern="1200">
+        <a:solidFill>
+          <a:schemeClr val="tx1"/>
+        </a:solidFill>
+        <a:latin typeface="+mn-lt"/>
+        <a:ea typeface="+mn-ea"/>
+        <a:cs typeface="+mn-cs"/>
+      </a:defRPr>
+    </a:lvl4pPr>
+    <a:lvl5pPr marL="1828800" algn="l" defTabSz="914400" rtl="0" eaLnBrk="1" latinLnBrk="0" hangingPunct="1">
+      <a:defRPr sz="1200" kern="1200">
+        <a:solidFill>
+          <a:schemeClr val="tx1"/>
+        </a:solidFill>
+        <a:latin typeface="+mn-lt"/>
+        <a:ea typeface="+mn-ea"/>
+        <a:cs typeface="+mn-cs"/>
+      </a:defRPr>
+    </a:lvl5pPr>
+    <a:lvl6pPr marL="2286000" algn="l" defTabSz="914400" rtl="0" eaLnBrk="1" latinLnBrk="0" hangingPunct="1">
+      <a:defRPr sz="1200" kern="1200">
+        <a:solidFill>
+          <a:schemeClr val="tx1"/>
+        </a:solidFill>
+        <a:latin typeface="+mn-lt"/>
+        <a:ea typeface="+mn-ea"/>
+        <a:cs typeface="+mn-cs"/>
+      </a:defRPr>
+    </a:lvl6pPr>
+    <a:lvl7pPr marL="2743200" algn="l" defTabSz="914400" rtl="0" eaLnBrk="1" latinLnBrk="0" hangingPunct="1">
+      <a:defRPr sz="1200" kern="1200">
+        <a:solidFill>
+          <a:schemeClr val="tx1"/>
+        </a:solidFill>
+        <a:latin typeface="+mn-lt"/>
+        <a:ea typeface="+mn-ea"/>
+        <a:cs typeface="+mn-cs"/>
+      </a:defRPr>
+    </a:lvl7pPr>
+    <a:lvl8pPr marL="3200400" algn="l" defTabSz="914400" rtl="0" eaLnBrk="1" latinLnBrk="0" hangingPunct="1">
+      <a:defRPr sz="1200" kern="1200">
+        <a:solidFill>
+          <a:schemeClr val="tx1"/>
+        </a:solidFill>
+        <a:latin typeface="+mn-lt"/>
+        <a:ea typeface="+mn-ea"/>
+        <a:cs typeface="+mn-cs"/>
+      </a:defRPr>
+    </a:lvl8pPr>
+    <a:lvl9pPr marL="3657600" algn="l" defTabSz="914400" rtl="0" eaLnBrk="1" latinLnBrk="0" hangingPunct="1">
+      <a:defRPr sz="1200" kern="1200">
+        <a:solidFill>
+          <a:schemeClr val="tx1"/>
+        </a:solidFill>
+        <a:latin typeface="+mn-lt"/>
+        <a:ea typeface="+mn-ea"/>
+        <a:cs typeface="+mn-cs"/>
+      </a:defRPr>
+    </a:lvl9pPr>
+  </p:notesStyle>
+</p:notesMaster>
+</file>
+
+<file path=ppt/notesSlides/notesSlide1.xml><?xml version="1.0" encoding="utf-8"?>
+<p:notes xmlns:a="http://schemas.openxmlformats.org/drawingml/2006/main" xmlns:r="http://schemas.openxmlformats.org/officeDocument/2006/relationships" xmlns:p="http://schemas.openxmlformats.org/presentationml/2006/main">
+  <p:cSld>
+    <p:spTree>
+      <p:nvGrpSpPr>
+        <p:cNvPr id="1" name=""/>
+        <p:cNvGrpSpPr/>
+        <p:nvPr/>
+      </p:nvGrpSpPr>
+      <p:grpSpPr>
+        <a:xfrm>
+          <a:off x="0" y="0"/>
+          <a:ext cx="0" cy="0"/>
+          <a:chOff x="0" y="0"/>
+          <a:chExt cx="0" cy="0"/>
+        </a:xfrm>
+      </p:grpSpPr>
+      <p:sp>
+        <p:nvSpPr>
+          <p:cNvPr id="2" name="Slide Image Placeholder 1"/>
+          <p:cNvSpPr>
+            <a:spLocks noGrp="1" noRot="1" noChangeAspect="1"/>
+          </p:cNvSpPr>
+          <p:nvPr>
+            <p:ph type="sldImg"/>
+          </p:nvPr>
+        </p:nvSpPr>
+        <p:spPr/>
+      </p:sp>
+      <p:sp>
+        <p:nvSpPr>
+          <p:cNvPr id="3" name="Notes Placeholder 2"/>
+          <p:cNvSpPr>
+            <a:spLocks noGrp="1"/>
+          </p:cNvSpPr>
+          <p:nvPr>
+            <p:ph type="body" idx="1"/>
+          </p:nvPr>
+        </p:nvSpPr>
+        <p:spPr/>
+        <p:txBody>
+          <a:bodyPr/>
+          <a:lstStyle/>
+          <a:p>
+            <a:r>
+              <a:rPr lang="en-US" dirty="0"/>
+              <a:t>This is despite comments and views </a:t>
+            </a:r>
+            <a:r>
+              <a:rPr lang="en-US" dirty="0" err="1"/>
+              <a:t>suprisingly</a:t>
+            </a:r>
+            <a:r>
+              <a:rPr lang="en-US" dirty="0"/>
+              <a:t> only having </a:t>
+            </a:r>
+          </a:p>
+        </p:txBody>
+      </p:sp>
+      <p:sp>
+        <p:nvSpPr>
+          <p:cNvPr id="4" name="Slide Number Placeholder 3"/>
+          <p:cNvSpPr>
+            <a:spLocks noGrp="1"/>
+          </p:cNvSpPr>
+          <p:nvPr>
+            <p:ph type="sldNum" sz="quarter" idx="10"/>
+          </p:nvPr>
+        </p:nvSpPr>
+        <p:spPr/>
+        <p:txBody>
+          <a:bodyPr/>
+          <a:lstStyle/>
+          <a:p>
+            <a:fld id="{AB0B6913-53AF-6949-967C-9E01F5156920}" type="slidenum">
+              <a:rPr lang="en-US" smtClean="0"/>
+              <a:t>4</a:t>
+            </a:fld>
+            <a:endParaRPr lang="en-US"/>
+          </a:p>
+        </p:txBody>
+      </p:sp>
+    </p:spTree>
+    <p:extLst>
+      <p:ext uri="{BB962C8B-B14F-4D97-AF65-F5344CB8AC3E}">
+        <p14:creationId xmlns:p14="http://schemas.microsoft.com/office/powerpoint/2010/main" val="3819909224"/>
+      </p:ext>
+    </p:extLst>
+  </p:cSld>
+  <p:clrMapOvr>
+    <a:masterClrMapping/>
+  </p:clrMapOvr>
+</p:notes>
+</file>
+
 <file path=ppt/slideLayouts/slideLayout1.xml><?xml version="1.0" encoding="utf-8"?>
 <p:sldLayout xmlns:a="http://schemas.openxmlformats.org/drawingml/2006/main" xmlns:r="http://schemas.openxmlformats.org/officeDocument/2006/relationships" xmlns:p="http://schemas.openxmlformats.org/presentationml/2006/main" type="title" preserve="1">
   <p:cSld name="Title Slide">
@@ -4521,7 +4974,7 @@
           </a:lstStyle>
           <a:p>
             <a:fld id="{48A87A34-81AB-432B-8DAE-1953F412C126}" type="datetimeFigureOut">
-              <a:rPr lang="en-US" dirty="0"/>
+              <a:rPr lang="en-US" smtClean="0"/>
               <a:pPr/>
               <a:t>4/17/18</a:t>
             </a:fld>
@@ -5976,7 +6429,7 @@
           <a:lstStyle/>
           <a:p>
             <a:fld id="{48A87A34-81AB-432B-8DAE-1953F412C126}" type="datetimeFigureOut">
-              <a:rPr lang="en-US" dirty="0"/>
+              <a:rPr lang="en-US" smtClean="0"/>
               <a:t>4/17/18</a:t>
             </a:fld>
             <a:endParaRPr lang="en-US" dirty="0"/>
@@ -7424,7 +7877,7 @@
           <a:lstStyle/>
           <a:p>
             <a:fld id="{48A87A34-81AB-432B-8DAE-1953F412C126}" type="datetimeFigureOut">
-              <a:rPr lang="en-US" dirty="0"/>
+              <a:rPr lang="en-US" smtClean="0"/>
               <a:t>4/17/18</a:t>
             </a:fld>
             <a:endParaRPr lang="en-US" dirty="0"/>
@@ -8874,7 +9327,7 @@
           <a:lstStyle/>
           <a:p>
             <a:fld id="{48A87A34-81AB-432B-8DAE-1953F412C126}" type="datetimeFigureOut">
-              <a:rPr lang="en-US" dirty="0"/>
+              <a:rPr lang="en-US" smtClean="0"/>
               <a:t>4/17/18</a:t>
             </a:fld>
             <a:endParaRPr lang="en-US" dirty="0"/>
@@ -10377,7 +10830,7 @@
           <a:lstStyle/>
           <a:p>
             <a:fld id="{48A87A34-81AB-432B-8DAE-1953F412C126}" type="datetimeFigureOut">
-              <a:rPr lang="en-US" dirty="0"/>
+              <a:rPr lang="en-US" smtClean="0"/>
               <a:t>4/17/18</a:t>
             </a:fld>
             <a:endParaRPr lang="en-US" dirty="0"/>
@@ -11893,7 +12346,7 @@
           <a:lstStyle/>
           <a:p>
             <a:fld id="{48A87A34-81AB-432B-8DAE-1953F412C126}" type="datetimeFigureOut">
-              <a:rPr lang="en-US" dirty="0"/>
+              <a:rPr lang="en-US" smtClean="0"/>
               <a:t>4/17/18</a:t>
             </a:fld>
             <a:endParaRPr lang="en-US" dirty="0"/>
@@ -13553,7 +14006,7 @@
           <a:lstStyle/>
           <a:p>
             <a:fld id="{48A87A34-81AB-432B-8DAE-1953F412C126}" type="datetimeFigureOut">
-              <a:rPr lang="en-US" dirty="0"/>
+              <a:rPr lang="en-US" smtClean="0"/>
               <a:t>4/17/18</a:t>
             </a:fld>
             <a:endParaRPr lang="en-US" dirty="0"/>
@@ -14946,7 +15399,7 @@
           <a:lstStyle/>
           <a:p>
             <a:fld id="{48A87A34-81AB-432B-8DAE-1953F412C126}" type="datetimeFigureOut">
-              <a:rPr lang="en-US" dirty="0"/>
+              <a:rPr lang="en-US" smtClean="0"/>
               <a:t>4/17/18</a:t>
             </a:fld>
             <a:endParaRPr lang="en-US" dirty="0"/>
@@ -15041,7 +15494,7 @@
           <a:lstStyle/>
           <a:p>
             <a:fld id="{48A87A34-81AB-432B-8DAE-1953F412C126}" type="datetimeFigureOut">
-              <a:rPr lang="en-US" dirty="0"/>
+              <a:rPr lang="en-US" smtClean="0"/>
               <a:t>4/17/18</a:t>
             </a:fld>
             <a:endParaRPr lang="en-US" dirty="0"/>
@@ -16562,7 +17015,7 @@
           <a:lstStyle/>
           <a:p>
             <a:fld id="{48A87A34-81AB-432B-8DAE-1953F412C126}" type="datetimeFigureOut">
-              <a:rPr lang="en-US" dirty="0"/>
+              <a:rPr lang="en-US" smtClean="0"/>
               <a:t>4/17/18</a:t>
             </a:fld>
             <a:endParaRPr lang="en-US" dirty="0"/>
@@ -18093,7 +18546,7 @@
           <a:lstStyle/>
           <a:p>
             <a:fld id="{48A87A34-81AB-432B-8DAE-1953F412C126}" type="datetimeFigureOut">
-              <a:rPr lang="en-US" dirty="0"/>
+              <a:rPr lang="en-US" smtClean="0"/>
               <a:t>4/17/18</a:t>
             </a:fld>
             <a:endParaRPr lang="en-US" dirty="0"/>
@@ -18338,7 +18791,7 @@
           </a:lstStyle>
           <a:p>
             <a:fld id="{48A87A34-81AB-432B-8DAE-1953F412C126}" type="datetimeFigureOut">
-              <a:rPr lang="en-US" dirty="0"/>
+              <a:rPr lang="en-US" smtClean="0"/>
               <a:pPr/>
               <a:t>4/17/18</a:t>
             </a:fld>
@@ -23366,76 +23819,4037 @@
           <a:chExt cx="0" cy="0"/>
         </a:xfrm>
       </p:grpSpPr>
+      <p:graphicFrame>
+        <p:nvGraphicFramePr>
+          <p:cNvPr id="3" name="Table 2">
+            <a:extLst>
+              <a:ext uri="{FF2B5EF4-FFF2-40B4-BE49-F238E27FC236}">
+                <a16:creationId xmlns:a16="http://schemas.microsoft.com/office/drawing/2014/main" id="{FB6DCE74-BAC8-F349-B55C-FD90C103C2BC}"/>
+              </a:ext>
+            </a:extLst>
+          </p:cNvPr>
+          <p:cNvGraphicFramePr>
+            <a:graphicFrameLocks noGrp="1"/>
+          </p:cNvGraphicFramePr>
+          <p:nvPr>
+            <p:extLst>
+              <p:ext uri="{D42A27DB-BD31-4B8C-83A1-F6EECF244321}">
+                <p14:modId xmlns:p14="http://schemas.microsoft.com/office/powerpoint/2010/main" val="316270063"/>
+              </p:ext>
+            </p:extLst>
+          </p:nvPr>
+        </p:nvGraphicFramePr>
+        <p:xfrm>
+          <a:off x="596900" y="1093046"/>
+          <a:ext cx="5080000" cy="5120640"/>
+        </p:xfrm>
+        <a:graphic>
+          <a:graphicData uri="http://schemas.openxmlformats.org/drawingml/2006/table">
+            <a:tbl>
+              <a:tblPr firstRow="1" bandRow="1">
+                <a:tableStyleId>{5C22544A-7EE6-4342-B048-85BDC9FD1C3A}</a:tableStyleId>
+              </a:tblPr>
+              <a:tblGrid>
+                <a:gridCol w="2540000">
+                  <a:extLst>
+                    <a:ext uri="{9D8B030D-6E8A-4147-A177-3AD203B41FA5}">
+                      <a16:colId xmlns:a16="http://schemas.microsoft.com/office/drawing/2014/main" val="1284642639"/>
+                    </a:ext>
+                  </a:extLst>
+                </a:gridCol>
+                <a:gridCol w="2540000">
+                  <a:extLst>
+                    <a:ext uri="{9D8B030D-6E8A-4147-A177-3AD203B41FA5}">
+                      <a16:colId xmlns:a16="http://schemas.microsoft.com/office/drawing/2014/main" val="4130188484"/>
+                    </a:ext>
+                  </a:extLst>
+                </a:gridCol>
+              </a:tblGrid>
+              <a:tr h="164980">
+                <a:tc>
+                  <a:txBody>
+                    <a:bodyPr/>
+                    <a:lstStyle/>
+                    <a:p>
+                      <a:r>
+                        <a:rPr lang="en-US" dirty="0"/>
+                        <a:t>Best Tags</a:t>
+                      </a:r>
+                    </a:p>
+                  </a:txBody>
+                  <a:tcPr/>
+                </a:tc>
+                <a:tc>
+                  <a:txBody>
+                    <a:bodyPr/>
+                    <a:lstStyle/>
+                    <a:p>
+                      <a:r>
+                        <a:rPr lang="en-US" dirty="0"/>
+                        <a:t>Worst Tags</a:t>
+                      </a:r>
+                    </a:p>
+                  </a:txBody>
+                  <a:tcPr/>
+                </a:tc>
+                <a:extLst>
+                  <a:ext uri="{0D108BD9-81ED-4DB2-BD59-A6C34878D82A}">
+                    <a16:rowId xmlns:a16="http://schemas.microsoft.com/office/drawing/2014/main" val="2868130039"/>
+                  </a:ext>
+                </a:extLst>
+              </a:tr>
+              <a:tr h="2144741">
+                <a:tc>
+                  <a:txBody>
+                    <a:bodyPr/>
+                    <a:lstStyle/>
+                    <a:p>
+                      <a:pPr marL="285750" indent="-285750">
+                        <a:buFont typeface="Arial" panose="020B0604020202020204" pitchFamily="34" charset="0"/>
+                        <a:buChar char="•"/>
+                      </a:pPr>
+                      <a:r>
+                        <a:rPr lang="en-US" dirty="0"/>
+                        <a:t>AI</a:t>
+                      </a:r>
+                    </a:p>
+                    <a:p>
+                      <a:pPr marL="285750" indent="-285750">
+                        <a:buFont typeface="Arial" panose="020B0604020202020204" pitchFamily="34" charset="0"/>
+                        <a:buChar char="•"/>
+                      </a:pPr>
+                      <a:r>
+                        <a:rPr lang="en-US" dirty="0"/>
+                        <a:t>Animals</a:t>
+                      </a:r>
+                    </a:p>
+                    <a:p>
+                      <a:pPr marL="285750" indent="-285750">
+                        <a:buFont typeface="Arial" panose="020B0604020202020204" pitchFamily="34" charset="0"/>
+                        <a:buChar char="•"/>
+                      </a:pPr>
+                      <a:r>
+                        <a:rPr lang="en-US" dirty="0"/>
+                        <a:t>Conservation</a:t>
+                      </a:r>
+                    </a:p>
+                    <a:p>
+                      <a:pPr marL="285750" indent="-285750">
+                        <a:buFont typeface="Arial" panose="020B0604020202020204" pitchFamily="34" charset="0"/>
+                        <a:buChar char="•"/>
+                      </a:pPr>
+                      <a:r>
+                        <a:rPr lang="en-US" dirty="0"/>
+                        <a:t>Garden</a:t>
+                      </a:r>
+                    </a:p>
+                    <a:p>
+                      <a:pPr marL="285750" indent="-285750">
+                        <a:buFont typeface="Arial" panose="020B0604020202020204" pitchFamily="34" charset="0"/>
+                        <a:buChar char="•"/>
+                      </a:pPr>
+                      <a:r>
+                        <a:rPr lang="en-US" dirty="0"/>
+                        <a:t>Fellows</a:t>
+                      </a:r>
+                    </a:p>
+                    <a:p>
+                      <a:pPr marL="285750" indent="-285750">
+                        <a:buFont typeface="Arial" panose="020B0604020202020204" pitchFamily="34" charset="0"/>
+                        <a:buChar char="•"/>
+                      </a:pPr>
+                      <a:r>
+                        <a:rPr lang="en-US" dirty="0"/>
+                        <a:t>Sanitation</a:t>
+                      </a:r>
+                    </a:p>
+                    <a:p>
+                      <a:pPr marL="285750" indent="-285750">
+                        <a:buFont typeface="Arial" panose="020B0604020202020204" pitchFamily="34" charset="0"/>
+                        <a:buChar char="•"/>
+                      </a:pPr>
+                      <a:r>
+                        <a:rPr lang="en-US" dirty="0"/>
+                        <a:t>Failure</a:t>
+                      </a:r>
+                    </a:p>
+                    <a:p>
+                      <a:pPr marL="285750" indent="-285750">
+                        <a:buFont typeface="Arial" panose="020B0604020202020204" pitchFamily="34" charset="0"/>
+                        <a:buChar char="•"/>
+                      </a:pPr>
+                      <a:r>
+                        <a:rPr lang="en-US" dirty="0"/>
+                        <a:t>Geology</a:t>
+                      </a:r>
+                    </a:p>
+                    <a:p>
+                      <a:pPr marL="285750" indent="-285750">
+                        <a:buFont typeface="Arial" panose="020B0604020202020204" pitchFamily="34" charset="0"/>
+                        <a:buChar char="•"/>
+                      </a:pPr>
+                      <a:r>
+                        <a:rPr lang="en-US" dirty="0"/>
+                        <a:t>Mindfulness</a:t>
+                      </a:r>
+                    </a:p>
+                    <a:p>
+                      <a:pPr marL="285750" indent="-285750">
+                        <a:buFont typeface="Arial" panose="020B0604020202020204" pitchFamily="34" charset="0"/>
+                        <a:buChar char="•"/>
+                      </a:pPr>
+                      <a:r>
+                        <a:rPr lang="en-US" dirty="0"/>
+                        <a:t>Pain</a:t>
+                      </a:r>
+                    </a:p>
+                    <a:p>
+                      <a:pPr marL="285750" indent="-285750">
+                        <a:buFont typeface="Arial" panose="020B0604020202020204" pitchFamily="34" charset="0"/>
+                        <a:buChar char="•"/>
+                      </a:pPr>
+                      <a:r>
+                        <a:rPr lang="en-US" dirty="0"/>
+                        <a:t>Population</a:t>
+                      </a:r>
+                    </a:p>
+                    <a:p>
+                      <a:pPr marL="285750" indent="-285750">
+                        <a:buFont typeface="Arial" panose="020B0604020202020204" pitchFamily="34" charset="0"/>
+                        <a:buChar char="•"/>
+                      </a:pPr>
+                      <a:r>
+                        <a:rPr lang="en-US" dirty="0" err="1"/>
+                        <a:t>TedX</a:t>
+                      </a:r>
+                      <a:endParaRPr lang="en-US" dirty="0"/>
+                    </a:p>
+                    <a:p>
+                      <a:pPr marL="285750" indent="-285750">
+                        <a:buFont typeface="Arial" panose="020B0604020202020204" pitchFamily="34" charset="0"/>
+                        <a:buChar char="•"/>
+                      </a:pPr>
+                      <a:r>
+                        <a:rPr lang="en-US" dirty="0"/>
+                        <a:t>Europe</a:t>
+                      </a:r>
+                    </a:p>
+                    <a:p>
+                      <a:pPr marL="285750" indent="-285750">
+                        <a:buFont typeface="Arial" panose="020B0604020202020204" pitchFamily="34" charset="0"/>
+                        <a:buChar char="•"/>
+                      </a:pPr>
+                      <a:r>
+                        <a:rPr lang="en-US" dirty="0"/>
+                        <a:t>Privacy</a:t>
+                      </a:r>
+                    </a:p>
+                    <a:p>
+                      <a:pPr marL="285750" indent="-285750">
+                        <a:buFont typeface="Arial" panose="020B0604020202020204" pitchFamily="34" charset="0"/>
+                        <a:buChar char="•"/>
+                      </a:pPr>
+                      <a:r>
+                        <a:rPr lang="en-US" dirty="0"/>
+                        <a:t>Agriculture</a:t>
+                      </a:r>
+                    </a:p>
+                    <a:p>
+                      <a:pPr marL="285750" indent="-285750">
+                        <a:buFont typeface="Arial" panose="020B0604020202020204" pitchFamily="34" charset="0"/>
+                        <a:buChar char="•"/>
+                      </a:pPr>
+                      <a:endParaRPr lang="en-US" dirty="0"/>
+                    </a:p>
+                    <a:p>
+                      <a:endParaRPr lang="en-US" dirty="0"/>
+                    </a:p>
+                  </a:txBody>
+                  <a:tcPr/>
+                </a:tc>
+                <a:tc>
+                  <a:txBody>
+                    <a:bodyPr/>
+                    <a:lstStyle/>
+                    <a:p>
+                      <a:pPr marL="285750" indent="-285750">
+                        <a:buFont typeface="Arial" panose="020B0604020202020204" pitchFamily="34" charset="0"/>
+                        <a:buChar char="•"/>
+                      </a:pPr>
+                      <a:r>
+                        <a:rPr lang="en-US" dirty="0"/>
+                        <a:t>Ted</a:t>
+                      </a:r>
+                    </a:p>
+                    <a:p>
+                      <a:pPr marL="285750" indent="-285750">
+                        <a:buFont typeface="Arial" panose="020B0604020202020204" pitchFamily="34" charset="0"/>
+                        <a:buChar char="•"/>
+                      </a:pPr>
+                      <a:r>
+                        <a:rPr lang="en-US" dirty="0"/>
+                        <a:t>Botany</a:t>
+                      </a:r>
+                    </a:p>
+                    <a:p>
+                      <a:pPr marL="285750" indent="-285750">
+                        <a:buFont typeface="Arial" panose="020B0604020202020204" pitchFamily="34" charset="0"/>
+                        <a:buChar char="•"/>
+                      </a:pPr>
+                      <a:r>
+                        <a:rPr lang="en-US" dirty="0"/>
+                        <a:t>Natural</a:t>
+                      </a:r>
+                    </a:p>
+                    <a:p>
+                      <a:pPr marL="285750" indent="-285750">
+                        <a:buFont typeface="Arial" panose="020B0604020202020204" pitchFamily="34" charset="0"/>
+                        <a:buChar char="•"/>
+                      </a:pPr>
+                      <a:r>
+                        <a:rPr lang="en-US" dirty="0"/>
+                        <a:t>Illness</a:t>
+                      </a:r>
+                    </a:p>
+                    <a:p>
+                      <a:pPr marL="285750" indent="-285750">
+                        <a:buFont typeface="Arial" panose="020B0604020202020204" pitchFamily="34" charset="0"/>
+                        <a:buChar char="•"/>
+                      </a:pPr>
+                      <a:r>
+                        <a:rPr lang="en-US" dirty="0"/>
+                        <a:t>Terrorism</a:t>
+                      </a:r>
+                    </a:p>
+                    <a:p>
+                      <a:pPr marL="285750" indent="-285750">
+                        <a:buFont typeface="Arial" panose="020B0604020202020204" pitchFamily="34" charset="0"/>
+                        <a:buChar char="•"/>
+                      </a:pPr>
+                      <a:r>
+                        <a:rPr lang="en-US" dirty="0"/>
+                        <a:t>State</a:t>
+                      </a:r>
+                    </a:p>
+                    <a:p>
+                      <a:pPr marL="285750" indent="-285750">
+                        <a:buFont typeface="Arial" panose="020B0604020202020204" pitchFamily="34" charset="0"/>
+                        <a:buChar char="•"/>
+                      </a:pPr>
+                      <a:r>
+                        <a:rPr lang="en-US" dirty="0"/>
+                        <a:t>Presentation</a:t>
+                      </a:r>
+                    </a:p>
+                    <a:p>
+                      <a:pPr marL="285750" indent="-285750">
+                        <a:buFont typeface="Arial" panose="020B0604020202020204" pitchFamily="34" charset="0"/>
+                        <a:buChar char="•"/>
+                      </a:pPr>
+                      <a:r>
+                        <a:rPr lang="en-US" dirty="0"/>
+                        <a:t>Alternative</a:t>
+                      </a:r>
+                    </a:p>
+                    <a:p>
+                      <a:pPr marL="285750" indent="-285750">
+                        <a:buFont typeface="Arial" panose="020B0604020202020204" pitchFamily="34" charset="0"/>
+                        <a:buChar char="•"/>
+                      </a:pPr>
+                      <a:r>
+                        <a:rPr lang="en-US" dirty="0"/>
+                        <a:t>Narcotics</a:t>
+                      </a:r>
+                    </a:p>
+                    <a:p>
+                      <a:pPr marL="285750" indent="-285750">
+                        <a:buFont typeface="Arial" panose="020B0604020202020204" pitchFamily="34" charset="0"/>
+                        <a:buChar char="•"/>
+                      </a:pPr>
+                      <a:r>
+                        <a:rPr lang="en-US" dirty="0" err="1"/>
+                        <a:t>Tednyc</a:t>
+                      </a:r>
+                      <a:endParaRPr lang="en-US" dirty="0"/>
+                    </a:p>
+                    <a:p>
+                      <a:pPr marL="285750" indent="-285750">
+                        <a:buFont typeface="Arial" panose="020B0604020202020204" pitchFamily="34" charset="0"/>
+                        <a:buChar char="•"/>
+                      </a:pPr>
+                      <a:r>
+                        <a:rPr lang="en-US" dirty="0"/>
+                        <a:t>Resources</a:t>
+                      </a:r>
+                    </a:p>
+                    <a:p>
+                      <a:pPr marL="285750" indent="-285750">
+                        <a:buFont typeface="Arial" panose="020B0604020202020204" pitchFamily="34" charset="0"/>
+                        <a:buChar char="•"/>
+                      </a:pPr>
+                      <a:r>
+                        <a:rPr lang="en-US" dirty="0"/>
+                        <a:t>Dance</a:t>
+                      </a:r>
+                    </a:p>
+                    <a:p>
+                      <a:pPr marL="285750" indent="-285750">
+                        <a:buFont typeface="Arial" panose="020B0604020202020204" pitchFamily="34" charset="0"/>
+                        <a:buChar char="•"/>
+                      </a:pPr>
+                      <a:r>
+                        <a:rPr lang="en-US" dirty="0"/>
+                        <a:t>Singer</a:t>
+                      </a:r>
+                    </a:p>
+                    <a:p>
+                      <a:pPr marL="285750" indent="-285750">
+                        <a:buFont typeface="Arial" panose="020B0604020202020204" pitchFamily="34" charset="0"/>
+                        <a:buChar char="•"/>
+                      </a:pPr>
+                      <a:r>
+                        <a:rPr lang="en-US" dirty="0"/>
+                        <a:t>Iran</a:t>
+                      </a:r>
+                    </a:p>
+                    <a:p>
+                      <a:pPr marL="285750" indent="-285750">
+                        <a:buFont typeface="Arial" panose="020B0604020202020204" pitchFamily="34" charset="0"/>
+                        <a:buChar char="•"/>
+                      </a:pPr>
+                      <a:r>
+                        <a:rPr lang="en-US" dirty="0"/>
+                        <a:t>Green</a:t>
+                      </a:r>
+                    </a:p>
+                  </a:txBody>
+                  <a:tcPr/>
+                </a:tc>
+                <a:extLst>
+                  <a:ext uri="{0D108BD9-81ED-4DB2-BD59-A6C34878D82A}">
+                    <a16:rowId xmlns:a16="http://schemas.microsoft.com/office/drawing/2014/main" val="2954945897"/>
+                  </a:ext>
+                </a:extLst>
+              </a:tr>
+            </a:tbl>
+          </a:graphicData>
+        </a:graphic>
+      </p:graphicFrame>
+      <p:graphicFrame>
+        <p:nvGraphicFramePr>
+          <p:cNvPr id="5" name="Table 4">
+            <a:extLst>
+              <a:ext uri="{FF2B5EF4-FFF2-40B4-BE49-F238E27FC236}">
+                <a16:creationId xmlns:a16="http://schemas.microsoft.com/office/drawing/2014/main" id="{47A0CC8D-CB9D-C14C-984D-A72C0E32DF08}"/>
+              </a:ext>
+            </a:extLst>
+          </p:cNvPr>
+          <p:cNvGraphicFramePr>
+            <a:graphicFrameLocks noGrp="1"/>
+          </p:cNvGraphicFramePr>
+          <p:nvPr>
+            <p:extLst>
+              <p:ext uri="{D42A27DB-BD31-4B8C-83A1-F6EECF244321}">
+                <p14:modId xmlns:p14="http://schemas.microsoft.com/office/powerpoint/2010/main" val="341916635"/>
+              </p:ext>
+            </p:extLst>
+          </p:nvPr>
+        </p:nvGraphicFramePr>
+        <p:xfrm>
+          <a:off x="6661002" y="1093046"/>
+          <a:ext cx="5080000" cy="5120640"/>
+        </p:xfrm>
+        <a:graphic>
+          <a:graphicData uri="http://schemas.openxmlformats.org/drawingml/2006/table">
+            <a:tbl>
+              <a:tblPr firstRow="1" bandRow="1">
+                <a:tableStyleId>{5C22544A-7EE6-4342-B048-85BDC9FD1C3A}</a:tableStyleId>
+              </a:tblPr>
+              <a:tblGrid>
+                <a:gridCol w="2540000">
+                  <a:extLst>
+                    <a:ext uri="{9D8B030D-6E8A-4147-A177-3AD203B41FA5}">
+                      <a16:colId xmlns:a16="http://schemas.microsoft.com/office/drawing/2014/main" val="1284642639"/>
+                    </a:ext>
+                  </a:extLst>
+                </a:gridCol>
+                <a:gridCol w="2540000">
+                  <a:extLst>
+                    <a:ext uri="{9D8B030D-6E8A-4147-A177-3AD203B41FA5}">
+                      <a16:colId xmlns:a16="http://schemas.microsoft.com/office/drawing/2014/main" val="4130188484"/>
+                    </a:ext>
+                  </a:extLst>
+                </a:gridCol>
+              </a:tblGrid>
+              <a:tr h="355704">
+                <a:tc>
+                  <a:txBody>
+                    <a:bodyPr/>
+                    <a:lstStyle/>
+                    <a:p>
+                      <a:r>
+                        <a:rPr lang="en-US" dirty="0"/>
+                        <a:t>Best Tags</a:t>
+                      </a:r>
+                    </a:p>
+                  </a:txBody>
+                  <a:tcPr/>
+                </a:tc>
+                <a:tc>
+                  <a:txBody>
+                    <a:bodyPr/>
+                    <a:lstStyle/>
+                    <a:p>
+                      <a:r>
+                        <a:rPr lang="en-US" dirty="0"/>
+                        <a:t>Worst Tags</a:t>
+                      </a:r>
+                    </a:p>
+                  </a:txBody>
+                  <a:tcPr/>
+                </a:tc>
+                <a:extLst>
+                  <a:ext uri="{0D108BD9-81ED-4DB2-BD59-A6C34878D82A}">
+                    <a16:rowId xmlns:a16="http://schemas.microsoft.com/office/drawing/2014/main" val="2868130039"/>
+                  </a:ext>
+                </a:extLst>
+              </a:tr>
+              <a:tr h="4560810">
+                <a:tc>
+                  <a:txBody>
+                    <a:bodyPr/>
+                    <a:lstStyle/>
+                    <a:p>
+                      <a:pPr marL="285750" indent="-285750">
+                        <a:buFont typeface="Arial" panose="020B0604020202020204" pitchFamily="34" charset="0"/>
+                        <a:buChar char="•"/>
+                      </a:pPr>
+                      <a:r>
+                        <a:rPr lang="en-US" dirty="0"/>
+                        <a:t>AI</a:t>
+                      </a:r>
+                    </a:p>
+                    <a:p>
+                      <a:pPr marL="285750" indent="-285750">
+                        <a:buFont typeface="Arial" panose="020B0604020202020204" pitchFamily="34" charset="0"/>
+                        <a:buChar char="•"/>
+                      </a:pPr>
+                      <a:r>
+                        <a:rPr lang="en-US" dirty="0"/>
+                        <a:t>Animals</a:t>
+                      </a:r>
+                    </a:p>
+                    <a:p>
+                      <a:pPr marL="285750" indent="-285750">
+                        <a:buFont typeface="Arial" panose="020B0604020202020204" pitchFamily="34" charset="0"/>
+                        <a:buChar char="•"/>
+                      </a:pPr>
+                      <a:r>
+                        <a:rPr lang="en-US" dirty="0"/>
+                        <a:t>Conservation</a:t>
+                      </a:r>
+                    </a:p>
+                    <a:p>
+                      <a:pPr marL="285750" indent="-285750">
+                        <a:buFont typeface="Arial" panose="020B0604020202020204" pitchFamily="34" charset="0"/>
+                        <a:buChar char="•"/>
+                      </a:pPr>
+                      <a:r>
+                        <a:rPr lang="en-US" dirty="0"/>
+                        <a:t>Garden</a:t>
+                      </a:r>
+                    </a:p>
+                    <a:p>
+                      <a:pPr marL="285750" indent="-285750">
+                        <a:buFont typeface="Arial" panose="020B0604020202020204" pitchFamily="34" charset="0"/>
+                        <a:buChar char="•"/>
+                      </a:pPr>
+                      <a:r>
+                        <a:rPr lang="en-US" dirty="0"/>
+                        <a:t>Fellows</a:t>
+                      </a:r>
+                    </a:p>
+                    <a:p>
+                      <a:pPr marL="285750" indent="-285750">
+                        <a:buFont typeface="Arial" panose="020B0604020202020204" pitchFamily="34" charset="0"/>
+                        <a:buChar char="•"/>
+                      </a:pPr>
+                      <a:r>
+                        <a:rPr lang="en-US" dirty="0"/>
+                        <a:t>Sanitation</a:t>
+                      </a:r>
+                    </a:p>
+                    <a:p>
+                      <a:pPr marL="285750" indent="-285750">
+                        <a:buFont typeface="Arial" panose="020B0604020202020204" pitchFamily="34" charset="0"/>
+                        <a:buChar char="•"/>
+                      </a:pPr>
+                      <a:r>
+                        <a:rPr lang="en-US" dirty="0"/>
+                        <a:t>Failure</a:t>
+                      </a:r>
+                    </a:p>
+                    <a:p>
+                      <a:pPr marL="285750" indent="-285750">
+                        <a:buFont typeface="Arial" panose="020B0604020202020204" pitchFamily="34" charset="0"/>
+                        <a:buChar char="•"/>
+                      </a:pPr>
+                      <a:r>
+                        <a:rPr lang="en-US" dirty="0"/>
+                        <a:t>Geology</a:t>
+                      </a:r>
+                    </a:p>
+                    <a:p>
+                      <a:pPr marL="285750" indent="-285750">
+                        <a:buFont typeface="Arial" panose="020B0604020202020204" pitchFamily="34" charset="0"/>
+                        <a:buChar char="•"/>
+                      </a:pPr>
+                      <a:r>
+                        <a:rPr lang="en-US" dirty="0"/>
+                        <a:t>Mindfulness</a:t>
+                      </a:r>
+                    </a:p>
+                    <a:p>
+                      <a:pPr marL="285750" indent="-285750">
+                        <a:buFont typeface="Arial" panose="020B0604020202020204" pitchFamily="34" charset="0"/>
+                        <a:buChar char="•"/>
+                      </a:pPr>
+                      <a:r>
+                        <a:rPr lang="en-US" dirty="0"/>
+                        <a:t>Pain</a:t>
+                      </a:r>
+                    </a:p>
+                    <a:p>
+                      <a:pPr marL="285750" indent="-285750">
+                        <a:buFont typeface="Arial" panose="020B0604020202020204" pitchFamily="34" charset="0"/>
+                        <a:buChar char="•"/>
+                      </a:pPr>
+                      <a:r>
+                        <a:rPr lang="en-US" dirty="0"/>
+                        <a:t>Population</a:t>
+                      </a:r>
+                    </a:p>
+                    <a:p>
+                      <a:pPr marL="285750" indent="-285750">
+                        <a:buFont typeface="Arial" panose="020B0604020202020204" pitchFamily="34" charset="0"/>
+                        <a:buChar char="•"/>
+                      </a:pPr>
+                      <a:r>
+                        <a:rPr lang="en-US" dirty="0" err="1"/>
+                        <a:t>TedX</a:t>
+                      </a:r>
+                      <a:endParaRPr lang="en-US" dirty="0"/>
+                    </a:p>
+                    <a:p>
+                      <a:pPr marL="285750" indent="-285750">
+                        <a:buFont typeface="Arial" panose="020B0604020202020204" pitchFamily="34" charset="0"/>
+                        <a:buChar char="•"/>
+                      </a:pPr>
+                      <a:r>
+                        <a:rPr lang="en-US" dirty="0"/>
+                        <a:t>Europe</a:t>
+                      </a:r>
+                    </a:p>
+                    <a:p>
+                      <a:pPr marL="285750" indent="-285750">
+                        <a:buFont typeface="Arial" panose="020B0604020202020204" pitchFamily="34" charset="0"/>
+                        <a:buChar char="•"/>
+                      </a:pPr>
+                      <a:r>
+                        <a:rPr lang="en-US" dirty="0"/>
+                        <a:t>Privacy</a:t>
+                      </a:r>
+                    </a:p>
+                    <a:p>
+                      <a:pPr marL="285750" indent="-285750">
+                        <a:buFont typeface="Arial" panose="020B0604020202020204" pitchFamily="34" charset="0"/>
+                        <a:buChar char="•"/>
+                      </a:pPr>
+                      <a:r>
+                        <a:rPr lang="en-US" dirty="0"/>
+                        <a:t>Agriculture</a:t>
+                      </a:r>
+                    </a:p>
+                    <a:p>
+                      <a:pPr marL="285750" indent="-285750">
+                        <a:buFont typeface="Arial" panose="020B0604020202020204" pitchFamily="34" charset="0"/>
+                        <a:buChar char="•"/>
+                      </a:pPr>
+                      <a:endParaRPr lang="en-US" dirty="0"/>
+                    </a:p>
+                    <a:p>
+                      <a:endParaRPr lang="en-US" dirty="0"/>
+                    </a:p>
+                  </a:txBody>
+                  <a:tcPr/>
+                </a:tc>
+                <a:tc>
+                  <a:txBody>
+                    <a:bodyPr/>
+                    <a:lstStyle/>
+                    <a:p>
+                      <a:pPr marL="285750" indent="-285750">
+                        <a:buFont typeface="Arial" panose="020B0604020202020204" pitchFamily="34" charset="0"/>
+                        <a:buChar char="•"/>
+                      </a:pPr>
+                      <a:r>
+                        <a:rPr lang="en-US" dirty="0"/>
+                        <a:t>Ted</a:t>
+                      </a:r>
+                    </a:p>
+                    <a:p>
+                      <a:pPr marL="285750" indent="-285750">
+                        <a:buFont typeface="Arial" panose="020B0604020202020204" pitchFamily="34" charset="0"/>
+                        <a:buChar char="•"/>
+                      </a:pPr>
+                      <a:r>
+                        <a:rPr lang="en-US" dirty="0"/>
+                        <a:t>Botany</a:t>
+                      </a:r>
+                    </a:p>
+                    <a:p>
+                      <a:pPr marL="285750" indent="-285750">
+                        <a:buFont typeface="Arial" panose="020B0604020202020204" pitchFamily="34" charset="0"/>
+                        <a:buChar char="•"/>
+                      </a:pPr>
+                      <a:r>
+                        <a:rPr lang="en-US" dirty="0"/>
+                        <a:t>Natural</a:t>
+                      </a:r>
+                    </a:p>
+                    <a:p>
+                      <a:pPr marL="285750" indent="-285750">
+                        <a:buFont typeface="Arial" panose="020B0604020202020204" pitchFamily="34" charset="0"/>
+                        <a:buChar char="•"/>
+                      </a:pPr>
+                      <a:r>
+                        <a:rPr lang="en-US" dirty="0"/>
+                        <a:t>Illness</a:t>
+                      </a:r>
+                    </a:p>
+                    <a:p>
+                      <a:pPr marL="285750" indent="-285750">
+                        <a:buFont typeface="Arial" panose="020B0604020202020204" pitchFamily="34" charset="0"/>
+                        <a:buChar char="•"/>
+                      </a:pPr>
+                      <a:r>
+                        <a:rPr lang="en-US" dirty="0"/>
+                        <a:t>Terrorism</a:t>
+                      </a:r>
+                    </a:p>
+                    <a:p>
+                      <a:pPr marL="285750" indent="-285750">
+                        <a:buFont typeface="Arial" panose="020B0604020202020204" pitchFamily="34" charset="0"/>
+                        <a:buChar char="•"/>
+                      </a:pPr>
+                      <a:r>
+                        <a:rPr lang="en-US" dirty="0"/>
+                        <a:t>State</a:t>
+                      </a:r>
+                    </a:p>
+                    <a:p>
+                      <a:pPr marL="285750" indent="-285750">
+                        <a:buFont typeface="Arial" panose="020B0604020202020204" pitchFamily="34" charset="0"/>
+                        <a:buChar char="•"/>
+                      </a:pPr>
+                      <a:r>
+                        <a:rPr lang="en-US" dirty="0"/>
+                        <a:t>Presentation</a:t>
+                      </a:r>
+                    </a:p>
+                    <a:p>
+                      <a:pPr marL="285750" indent="-285750">
+                        <a:buFont typeface="Arial" panose="020B0604020202020204" pitchFamily="34" charset="0"/>
+                        <a:buChar char="•"/>
+                      </a:pPr>
+                      <a:r>
+                        <a:rPr lang="en-US" dirty="0"/>
+                        <a:t>Alternative</a:t>
+                      </a:r>
+                    </a:p>
+                    <a:p>
+                      <a:pPr marL="285750" indent="-285750">
+                        <a:buFont typeface="Arial" panose="020B0604020202020204" pitchFamily="34" charset="0"/>
+                        <a:buChar char="•"/>
+                      </a:pPr>
+                      <a:r>
+                        <a:rPr lang="en-US" dirty="0"/>
+                        <a:t>Narcotics</a:t>
+                      </a:r>
+                    </a:p>
+                    <a:p>
+                      <a:pPr marL="285750" indent="-285750">
+                        <a:buFont typeface="Arial" panose="020B0604020202020204" pitchFamily="34" charset="0"/>
+                        <a:buChar char="•"/>
+                      </a:pPr>
+                      <a:r>
+                        <a:rPr lang="en-US" dirty="0" err="1"/>
+                        <a:t>Tednyc</a:t>
+                      </a:r>
+                      <a:endParaRPr lang="en-US" dirty="0"/>
+                    </a:p>
+                    <a:p>
+                      <a:pPr marL="285750" indent="-285750">
+                        <a:buFont typeface="Arial" panose="020B0604020202020204" pitchFamily="34" charset="0"/>
+                        <a:buChar char="•"/>
+                      </a:pPr>
+                      <a:r>
+                        <a:rPr lang="en-US" dirty="0"/>
+                        <a:t>Resources</a:t>
+                      </a:r>
+                    </a:p>
+                    <a:p>
+                      <a:pPr marL="285750" indent="-285750">
+                        <a:buFont typeface="Arial" panose="020B0604020202020204" pitchFamily="34" charset="0"/>
+                        <a:buChar char="•"/>
+                      </a:pPr>
+                      <a:r>
+                        <a:rPr lang="en-US" dirty="0"/>
+                        <a:t>Dance</a:t>
+                      </a:r>
+                    </a:p>
+                    <a:p>
+                      <a:pPr marL="285750" indent="-285750">
+                        <a:buFont typeface="Arial" panose="020B0604020202020204" pitchFamily="34" charset="0"/>
+                        <a:buChar char="•"/>
+                      </a:pPr>
+                      <a:r>
+                        <a:rPr lang="en-US" dirty="0"/>
+                        <a:t>Singer</a:t>
+                      </a:r>
+                    </a:p>
+                    <a:p>
+                      <a:pPr marL="285750" indent="-285750">
+                        <a:buFont typeface="Arial" panose="020B0604020202020204" pitchFamily="34" charset="0"/>
+                        <a:buChar char="•"/>
+                      </a:pPr>
+                      <a:r>
+                        <a:rPr lang="en-US" dirty="0"/>
+                        <a:t>Iran</a:t>
+                      </a:r>
+                    </a:p>
+                    <a:p>
+                      <a:pPr marL="285750" indent="-285750">
+                        <a:buFont typeface="Arial" panose="020B0604020202020204" pitchFamily="34" charset="0"/>
+                        <a:buChar char="•"/>
+                      </a:pPr>
+                      <a:r>
+                        <a:rPr lang="en-US" dirty="0"/>
+                        <a:t>Green</a:t>
+                      </a:r>
+                    </a:p>
+                  </a:txBody>
+                  <a:tcPr/>
+                </a:tc>
+                <a:extLst>
+                  <a:ext uri="{0D108BD9-81ED-4DB2-BD59-A6C34878D82A}">
+                    <a16:rowId xmlns:a16="http://schemas.microsoft.com/office/drawing/2014/main" val="2954945897"/>
+                  </a:ext>
+                </a:extLst>
+              </a:tr>
+            </a:tbl>
+          </a:graphicData>
+        </a:graphic>
+      </p:graphicFrame>
       <p:sp>
         <p:nvSpPr>
-          <p:cNvPr id="2" name="Title 1">
+          <p:cNvPr id="6" name="TextBox 5">
             <a:extLst>
               <a:ext uri="{FF2B5EF4-FFF2-40B4-BE49-F238E27FC236}">
-                <a16:creationId xmlns:a16="http://schemas.microsoft.com/office/drawing/2014/main" id="{E39A4937-5AA5-F540-9A1F-335F4E1AB6DB}"/>
+                <a16:creationId xmlns:a16="http://schemas.microsoft.com/office/drawing/2014/main" id="{B57E2C9C-0C97-6041-B51B-6612CC97687D}"/>
+              </a:ext>
+            </a:extLst>
+          </p:cNvPr>
+          <p:cNvSpPr txBox="1"/>
+          <p:nvPr/>
+        </p:nvSpPr>
+        <p:spPr>
+          <a:xfrm>
+            <a:off x="888375" y="329783"/>
+            <a:ext cx="4497049" cy="553998"/>
+          </a:xfrm>
+          <a:prstGeom prst="rect">
+            <a:avLst/>
+          </a:prstGeom>
+          <a:noFill/>
+        </p:spPr>
+        <p:txBody>
+          <a:bodyPr wrap="square" rtlCol="0">
+            <a:spAutoFit/>
+          </a:bodyPr>
+          <a:lstStyle/>
+          <a:p>
+            <a:pPr algn="ctr"/>
+            <a:r>
+              <a:rPr lang="en-US" sz="3000" dirty="0"/>
+              <a:t>Views</a:t>
+            </a:r>
+          </a:p>
+        </p:txBody>
+      </p:sp>
+      <p:sp>
+        <p:nvSpPr>
+          <p:cNvPr id="8" name="TextBox 7">
+            <a:extLst>
+              <a:ext uri="{FF2B5EF4-FFF2-40B4-BE49-F238E27FC236}">
+                <a16:creationId xmlns:a16="http://schemas.microsoft.com/office/drawing/2014/main" id="{42BAF8A8-FE33-FC4B-B03B-4CCCFB643BBE}"/>
+              </a:ext>
+            </a:extLst>
+          </p:cNvPr>
+          <p:cNvSpPr txBox="1"/>
+          <p:nvPr/>
+        </p:nvSpPr>
+        <p:spPr>
+          <a:xfrm>
+            <a:off x="6952477" y="329783"/>
+            <a:ext cx="4497049" cy="553998"/>
+          </a:xfrm>
+          <a:prstGeom prst="rect">
+            <a:avLst/>
+          </a:prstGeom>
+          <a:noFill/>
+        </p:spPr>
+        <p:txBody>
+          <a:bodyPr wrap="square" rtlCol="0">
+            <a:spAutoFit/>
+          </a:bodyPr>
+          <a:lstStyle/>
+          <a:p>
+            <a:pPr algn="ctr"/>
+            <a:r>
+              <a:rPr lang="en-US" sz="3000" dirty="0"/>
+              <a:t>Comments</a:t>
+            </a:r>
+          </a:p>
+        </p:txBody>
+      </p:sp>
+    </p:spTree>
+    <p:extLst>
+      <p:ext uri="{BB962C8B-B14F-4D97-AF65-F5344CB8AC3E}">
+        <p14:creationId xmlns:p14="http://schemas.microsoft.com/office/powerpoint/2010/main" val="1036546716"/>
+      </p:ext>
+    </p:extLst>
+  </p:cSld>
+  <p:clrMapOvr>
+    <a:masterClrMapping/>
+  </p:clrMapOvr>
+</p:sld>
+</file>
+
+<file path=ppt/slides/slide5.xml><?xml version="1.0" encoding="utf-8"?>
+<p:sld xmlns:a="http://schemas.openxmlformats.org/drawingml/2006/main" xmlns:r="http://schemas.openxmlformats.org/officeDocument/2006/relationships" xmlns:p="http://schemas.openxmlformats.org/presentationml/2006/main">
+  <p:cSld>
+    <p:bg>
+      <p:bgPr>
+        <a:solidFill>
+          <a:schemeClr val="bg1"/>
+        </a:solidFill>
+        <a:effectLst/>
+      </p:bgPr>
+    </p:bg>
+    <p:spTree>
+      <p:nvGrpSpPr>
+        <p:cNvPr id="1" name=""/>
+        <p:cNvGrpSpPr/>
+        <p:nvPr/>
+      </p:nvGrpSpPr>
+      <p:grpSpPr>
+        <a:xfrm>
+          <a:off x="0" y="0"/>
+          <a:ext cx="0" cy="0"/>
+          <a:chOff x="0" y="0"/>
+          <a:chExt cx="0" cy="0"/>
+        </a:xfrm>
+      </p:grpSpPr>
+      <p:grpSp>
+        <p:nvGrpSpPr>
+          <p:cNvPr id="65" name="Group 7">
+            <a:extLst>
+              <a:ext uri="{FF2B5EF4-FFF2-40B4-BE49-F238E27FC236}">
+                <a16:creationId xmlns:a16="http://schemas.microsoft.com/office/drawing/2014/main" id="{84DB7353-7D7A-431B-A5B6-A3845E6F2BB2}"/>
+              </a:ext>
+            </a:extLst>
+          </p:cNvPr>
+          <p:cNvGrpSpPr>
+            <a:grpSpLocks noGrp="1" noUngrp="1" noRot="1" noChangeAspect="1" noMove="1" noResize="1"/>
+          </p:cNvGrpSpPr>
+          <p:nvPr>
+            <p:extLst>
+              <p:ext uri="{386F3935-93C4-4BCD-93E2-E3B085C9AB24}">
+                <p16:designElem xmlns:p16="http://schemas.microsoft.com/office/powerpoint/2015/main" val="1"/>
+              </p:ext>
+            </p:extLst>
+          </p:nvPr>
+        </p:nvGrpSpPr>
+        <p:grpSpPr>
+          <a:xfrm>
+            <a:off x="-329674" y="-59376"/>
+            <a:ext cx="12515851" cy="6923798"/>
+            <a:chOff x="-329674" y="-51881"/>
+            <a:chExt cx="12515851" cy="6923798"/>
+          </a:xfrm>
+        </p:grpSpPr>
+        <p:sp>
+          <p:nvSpPr>
+            <p:cNvPr id="9" name="Freeform 5">
+              <a:extLst>
+                <a:ext uri="{FF2B5EF4-FFF2-40B4-BE49-F238E27FC236}">
+                  <a16:creationId xmlns:a16="http://schemas.microsoft.com/office/drawing/2014/main" id="{9E8D15D6-6183-4BE1-A315-C7EC9C1A53FA}"/>
+                </a:ext>
+              </a:extLst>
+            </p:cNvPr>
+            <p:cNvSpPr/>
+            <p:nvPr>
+              <p:extLst>
+                <p:ext uri="{386F3935-93C4-4BCD-93E2-E3B085C9AB24}">
+                  <p16:designElem xmlns:p16="http://schemas.microsoft.com/office/powerpoint/2015/main" val="1"/>
+                </p:ext>
+              </p:extLst>
+            </p:nvPr>
+          </p:nvSpPr>
+          <p:spPr bwMode="auto">
+            <a:xfrm>
+              <a:off x="-329674" y="1298404"/>
+              <a:ext cx="9702800" cy="5573512"/>
+            </a:xfrm>
+            <a:custGeom>
+              <a:avLst/>
+              <a:gdLst/>
+              <a:ahLst/>
+              <a:cxnLst/>
+              <a:rect l="0" t="0" r="r" b="b"/>
+              <a:pathLst>
+                <a:path w="2038" h="1169">
+                  <a:moveTo>
+                    <a:pt x="1752" y="1169"/>
+                  </a:moveTo>
+                  <a:cubicBezTo>
+                    <a:pt x="2038" y="928"/>
+                    <a:pt x="1673" y="513"/>
+                    <a:pt x="1487" y="334"/>
+                  </a:cubicBezTo>
+                  <a:cubicBezTo>
+                    <a:pt x="1316" y="170"/>
+                    <a:pt x="1099" y="43"/>
+                    <a:pt x="860" y="22"/>
+                  </a:cubicBezTo>
+                  <a:cubicBezTo>
+                    <a:pt x="621" y="0"/>
+                    <a:pt x="341" y="128"/>
+                    <a:pt x="199" y="318"/>
+                  </a:cubicBezTo>
+                  <a:cubicBezTo>
+                    <a:pt x="0" y="586"/>
+                    <a:pt x="184" y="965"/>
+                    <a:pt x="399" y="1165"/>
+                  </a:cubicBezTo>
+                </a:path>
+              </a:pathLst>
+            </a:custGeom>
+            <a:noFill/>
+            <a:ln w="9525" cap="flat">
+              <a:solidFill>
+                <a:schemeClr val="tx1">
+                  <a:alpha val="20000"/>
+                </a:schemeClr>
+              </a:solidFill>
+              <a:prstDash val="solid"/>
+              <a:miter lim="800000"/>
+              <a:headEnd/>
+              <a:tailEnd/>
+            </a:ln>
+            <a:extLst>
+              <a:ext uri="{909E8E84-426E-40DD-AFC4-6F175D3DCCD1}">
+                <a14:hiddenFill xmlns:a14="http://schemas.microsoft.com/office/drawing/2010/main">
+                  <a:solidFill>
+                    <a:srgbClr val="FFFFFF"/>
+                  </a:solidFill>
+                </a14:hiddenFill>
+              </a:ext>
+            </a:extLst>
+          </p:spPr>
+        </p:sp>
+        <p:sp>
+          <p:nvSpPr>
+            <p:cNvPr id="10" name="Freeform 6">
+              <a:extLst>
+                <a:ext uri="{FF2B5EF4-FFF2-40B4-BE49-F238E27FC236}">
+                  <a16:creationId xmlns:a16="http://schemas.microsoft.com/office/drawing/2014/main" id="{82A253FA-4E60-4B4D-94B0-93ECFCF3098F}"/>
+                </a:ext>
+              </a:extLst>
+            </p:cNvPr>
+            <p:cNvSpPr/>
+            <p:nvPr>
+              <p:extLst>
+                <p:ext uri="{386F3935-93C4-4BCD-93E2-E3B085C9AB24}">
+                  <p16:designElem xmlns:p16="http://schemas.microsoft.com/office/powerpoint/2015/main" val="1"/>
+                </p:ext>
+              </p:extLst>
+            </p:nvPr>
+          </p:nvSpPr>
+          <p:spPr bwMode="auto">
+            <a:xfrm>
+              <a:off x="670451" y="2018236"/>
+              <a:ext cx="7373938" cy="4848892"/>
+            </a:xfrm>
+            <a:custGeom>
+              <a:avLst/>
+              <a:gdLst/>
+              <a:ahLst/>
+              <a:cxnLst/>
+              <a:rect l="0" t="0" r="r" b="b"/>
+              <a:pathLst>
+                <a:path w="1549" h="1017">
+                  <a:moveTo>
+                    <a:pt x="1025" y="1016"/>
+                  </a:moveTo>
+                  <a:cubicBezTo>
+                    <a:pt x="1223" y="971"/>
+                    <a:pt x="1549" y="857"/>
+                    <a:pt x="1443" y="592"/>
+                  </a:cubicBezTo>
+                  <a:cubicBezTo>
+                    <a:pt x="1344" y="344"/>
+                    <a:pt x="1041" y="111"/>
+                    <a:pt x="782" y="53"/>
+                  </a:cubicBezTo>
+                  <a:cubicBezTo>
+                    <a:pt x="545" y="0"/>
+                    <a:pt x="275" y="117"/>
+                    <a:pt x="150" y="329"/>
+                  </a:cubicBezTo>
+                  <a:cubicBezTo>
+                    <a:pt x="0" y="584"/>
+                    <a:pt x="243" y="911"/>
+                    <a:pt x="477" y="1017"/>
+                  </a:cubicBezTo>
+                </a:path>
+              </a:pathLst>
+            </a:custGeom>
+            <a:noFill/>
+            <a:ln w="9525" cap="flat">
+              <a:solidFill>
+                <a:schemeClr val="tx1">
+                  <a:alpha val="20000"/>
+                </a:schemeClr>
+              </a:solidFill>
+              <a:prstDash val="solid"/>
+              <a:miter lim="800000"/>
+              <a:headEnd/>
+              <a:tailEnd/>
+            </a:ln>
+            <a:extLst>
+              <a:ext uri="{909E8E84-426E-40DD-AFC4-6F175D3DCCD1}">
+                <a14:hiddenFill xmlns:a14="http://schemas.microsoft.com/office/drawing/2010/main">
+                  <a:solidFill>
+                    <a:srgbClr val="FFFFFF"/>
+                  </a:solidFill>
+                </a14:hiddenFill>
+              </a:ext>
+            </a:extLst>
+          </p:spPr>
+        </p:sp>
+        <p:sp>
+          <p:nvSpPr>
+            <p:cNvPr id="11" name="Freeform 7">
+              <a:extLst>
+                <a:ext uri="{FF2B5EF4-FFF2-40B4-BE49-F238E27FC236}">
+                  <a16:creationId xmlns:a16="http://schemas.microsoft.com/office/drawing/2014/main" id="{E1B39AD1-11BD-457B-822C-A873607F4126}"/>
+                </a:ext>
+              </a:extLst>
+            </p:cNvPr>
+            <p:cNvSpPr/>
+            <p:nvPr>
+              <p:extLst>
+                <p:ext uri="{386F3935-93C4-4BCD-93E2-E3B085C9AB24}">
+                  <p16:designElem xmlns:p16="http://schemas.microsoft.com/office/powerpoint/2015/main" val="1"/>
+                </p:ext>
+              </p:extLst>
+            </p:nvPr>
+          </p:nvSpPr>
+          <p:spPr bwMode="auto">
+            <a:xfrm>
+              <a:off x="251351" y="1788400"/>
+              <a:ext cx="8035925" cy="5083516"/>
+            </a:xfrm>
+            <a:custGeom>
+              <a:avLst/>
+              <a:gdLst/>
+              <a:ahLst/>
+              <a:cxnLst/>
+              <a:rect l="0" t="0" r="r" b="b"/>
+              <a:pathLst>
+                <a:path w="1688" h="1066">
+                  <a:moveTo>
+                    <a:pt x="1302" y="1066"/>
+                  </a:moveTo>
+                  <a:cubicBezTo>
+                    <a:pt x="1416" y="1024"/>
+                    <a:pt x="1551" y="962"/>
+                    <a:pt x="1613" y="850"/>
+                  </a:cubicBezTo>
+                  <a:cubicBezTo>
+                    <a:pt x="1688" y="715"/>
+                    <a:pt x="1606" y="575"/>
+                    <a:pt x="1517" y="471"/>
+                  </a:cubicBezTo>
+                  <a:cubicBezTo>
+                    <a:pt x="1336" y="258"/>
+                    <a:pt x="1084" y="62"/>
+                    <a:pt x="798" y="28"/>
+                  </a:cubicBezTo>
+                  <a:cubicBezTo>
+                    <a:pt x="559" y="0"/>
+                    <a:pt x="317" y="138"/>
+                    <a:pt x="181" y="333"/>
+                  </a:cubicBezTo>
+                  <a:cubicBezTo>
+                    <a:pt x="0" y="592"/>
+                    <a:pt x="191" y="907"/>
+                    <a:pt x="420" y="1066"/>
+                  </a:cubicBezTo>
+                </a:path>
+              </a:pathLst>
+            </a:custGeom>
+            <a:noFill/>
+            <a:ln w="9525" cap="flat">
+              <a:solidFill>
+                <a:schemeClr val="tx1">
+                  <a:alpha val="20000"/>
+                </a:schemeClr>
+              </a:solidFill>
+              <a:prstDash val="dash"/>
+              <a:miter lim="800000"/>
+              <a:headEnd/>
+              <a:tailEnd/>
+            </a:ln>
+            <a:extLst>
+              <a:ext uri="{909E8E84-426E-40DD-AFC4-6F175D3DCCD1}">
+                <a14:hiddenFill xmlns:a14="http://schemas.microsoft.com/office/drawing/2010/main">
+                  <a:solidFill>
+                    <a:srgbClr val="FFFFFF"/>
+                  </a:solidFill>
+                </a14:hiddenFill>
+              </a:ext>
+            </a:extLst>
+          </p:spPr>
+        </p:sp>
+        <p:sp>
+          <p:nvSpPr>
+            <p:cNvPr id="12" name="Freeform 8">
+              <a:extLst>
+                <a:ext uri="{FF2B5EF4-FFF2-40B4-BE49-F238E27FC236}">
+                  <a16:creationId xmlns:a16="http://schemas.microsoft.com/office/drawing/2014/main" id="{CC286005-78D5-4BE4-AA8B-75CDC07E7864}"/>
+                </a:ext>
+              </a:extLst>
+            </p:cNvPr>
+            <p:cNvSpPr/>
+            <p:nvPr>
+              <p:extLst>
+                <p:ext uri="{386F3935-93C4-4BCD-93E2-E3B085C9AB24}">
+                  <p16:designElem xmlns:p16="http://schemas.microsoft.com/office/powerpoint/2015/main" val="1"/>
+                </p:ext>
+              </p:extLst>
+            </p:nvPr>
+          </p:nvSpPr>
+          <p:spPr bwMode="auto">
+            <a:xfrm>
+              <a:off x="-1061" y="549842"/>
+              <a:ext cx="10334625" cy="6322075"/>
+            </a:xfrm>
+            <a:custGeom>
+              <a:avLst/>
+              <a:gdLst/>
+              <a:ahLst/>
+              <a:cxnLst/>
+              <a:rect l="0" t="0" r="r" b="b"/>
+              <a:pathLst>
+                <a:path w="2171" h="1326">
+                  <a:moveTo>
+                    <a:pt x="1873" y="1326"/>
+                  </a:moveTo>
+                  <a:cubicBezTo>
+                    <a:pt x="2171" y="1045"/>
+                    <a:pt x="1825" y="678"/>
+                    <a:pt x="1609" y="473"/>
+                  </a:cubicBezTo>
+                  <a:cubicBezTo>
+                    <a:pt x="1406" y="281"/>
+                    <a:pt x="1159" y="116"/>
+                    <a:pt x="880" y="63"/>
+                  </a:cubicBezTo>
+                  <a:cubicBezTo>
+                    <a:pt x="545" y="0"/>
+                    <a:pt x="214" y="161"/>
+                    <a:pt x="0" y="423"/>
+                  </a:cubicBezTo>
+                </a:path>
+              </a:pathLst>
+            </a:custGeom>
+            <a:noFill/>
+            <a:ln w="9525" cap="flat">
+              <a:solidFill>
+                <a:schemeClr val="tx1">
+                  <a:alpha val="20000"/>
+                </a:schemeClr>
+              </a:solidFill>
+              <a:prstDash val="solid"/>
+              <a:miter lim="800000"/>
+              <a:headEnd/>
+              <a:tailEnd/>
+            </a:ln>
+            <a:extLst>
+              <a:ext uri="{909E8E84-426E-40DD-AFC4-6F175D3DCCD1}">
+                <a14:hiddenFill xmlns:a14="http://schemas.microsoft.com/office/drawing/2010/main">
+                  <a:solidFill>
+                    <a:srgbClr val="FFFFFF"/>
+                  </a:solidFill>
+                </a14:hiddenFill>
+              </a:ext>
+            </a:extLst>
+          </p:spPr>
+        </p:sp>
+        <p:sp>
+          <p:nvSpPr>
+            <p:cNvPr id="13" name="Freeform 9">
+              <a:extLst>
+                <a:ext uri="{FF2B5EF4-FFF2-40B4-BE49-F238E27FC236}">
+                  <a16:creationId xmlns:a16="http://schemas.microsoft.com/office/drawing/2014/main" id="{09E4A22D-7E83-4F24-97FE-931A93CACC70}"/>
+                </a:ext>
+              </a:extLst>
+            </p:cNvPr>
+            <p:cNvSpPr/>
+            <p:nvPr>
+              <p:extLst>
+                <p:ext uri="{386F3935-93C4-4BCD-93E2-E3B085C9AB24}">
+                  <p16:designElem xmlns:p16="http://schemas.microsoft.com/office/powerpoint/2015/main" val="1"/>
+                </p:ext>
+              </p:extLst>
+            </p:nvPr>
+          </p:nvSpPr>
+          <p:spPr bwMode="auto">
+            <a:xfrm>
+              <a:off x="3701" y="6186246"/>
+              <a:ext cx="504825" cy="681527"/>
+            </a:xfrm>
+            <a:custGeom>
+              <a:avLst/>
+              <a:gdLst/>
+              <a:ahLst/>
+              <a:cxnLst/>
+              <a:rect l="0" t="0" r="r" b="b"/>
+              <a:pathLst>
+                <a:path w="106" h="143">
+                  <a:moveTo>
+                    <a:pt x="0" y="0"/>
+                  </a:moveTo>
+                  <a:cubicBezTo>
+                    <a:pt x="35" y="54"/>
+                    <a:pt x="70" y="101"/>
+                    <a:pt x="106" y="143"/>
+                  </a:cubicBezTo>
+                </a:path>
+              </a:pathLst>
+            </a:custGeom>
+            <a:noFill/>
+            <a:ln w="4763" cap="flat">
+              <a:solidFill>
+                <a:schemeClr val="tx1">
+                  <a:alpha val="20000"/>
+                </a:schemeClr>
+              </a:solidFill>
+              <a:prstDash val="solid"/>
+              <a:miter lim="800000"/>
+              <a:headEnd/>
+              <a:tailEnd/>
+            </a:ln>
+            <a:extLst>
+              <a:ext uri="{909E8E84-426E-40DD-AFC4-6F175D3DCCD1}">
+                <a14:hiddenFill xmlns:a14="http://schemas.microsoft.com/office/drawing/2010/main">
+                  <a:solidFill>
+                    <a:srgbClr val="FFFFFF"/>
+                  </a:solidFill>
+                </a14:hiddenFill>
+              </a:ext>
+            </a:extLst>
+          </p:spPr>
+        </p:sp>
+        <p:sp>
+          <p:nvSpPr>
+            <p:cNvPr id="14" name="Freeform 10">
+              <a:extLst>
+                <a:ext uri="{FF2B5EF4-FFF2-40B4-BE49-F238E27FC236}">
+                  <a16:creationId xmlns:a16="http://schemas.microsoft.com/office/drawing/2014/main" id="{4351E96B-8DD4-4D5E-A9F0-C47F5F33781B}"/>
+                </a:ext>
+              </a:extLst>
+            </p:cNvPr>
+            <p:cNvSpPr/>
+            <p:nvPr>
+              <p:extLst>
+                <p:ext uri="{386F3935-93C4-4BCD-93E2-E3B085C9AB24}">
+                  <p16:designElem xmlns:p16="http://schemas.microsoft.com/office/powerpoint/2015/main" val="1"/>
+                </p:ext>
+              </p:extLst>
+            </p:nvPr>
+          </p:nvSpPr>
+          <p:spPr bwMode="auto">
+            <a:xfrm>
+              <a:off x="-1061" y="-51881"/>
+              <a:ext cx="11091863" cy="6923796"/>
+            </a:xfrm>
+            <a:custGeom>
+              <a:avLst/>
+              <a:gdLst/>
+              <a:ahLst/>
+              <a:cxnLst/>
+              <a:rect l="0" t="0" r="r" b="b"/>
+              <a:pathLst>
+                <a:path w="2330" h="1452">
+                  <a:moveTo>
+                    <a:pt x="2046" y="1452"/>
+                  </a:moveTo>
+                  <a:cubicBezTo>
+                    <a:pt x="2330" y="1153"/>
+                    <a:pt x="2049" y="821"/>
+                    <a:pt x="1813" y="601"/>
+                  </a:cubicBezTo>
+                  <a:cubicBezTo>
+                    <a:pt x="1569" y="375"/>
+                    <a:pt x="1282" y="179"/>
+                    <a:pt x="956" y="97"/>
+                  </a:cubicBezTo>
+                  <a:cubicBezTo>
+                    <a:pt x="572" y="0"/>
+                    <a:pt x="292" y="101"/>
+                    <a:pt x="0" y="366"/>
+                  </a:cubicBezTo>
+                </a:path>
+              </a:pathLst>
+            </a:custGeom>
+            <a:noFill/>
+            <a:ln w="9525" cap="flat">
+              <a:solidFill>
+                <a:schemeClr val="tx1">
+                  <a:alpha val="20000"/>
+                </a:schemeClr>
+              </a:solidFill>
+              <a:prstDash val="solid"/>
+              <a:miter lim="800000"/>
+              <a:headEnd/>
+              <a:tailEnd/>
+            </a:ln>
+            <a:extLst>
+              <a:ext uri="{909E8E84-426E-40DD-AFC4-6F175D3DCCD1}">
+                <a14:hiddenFill xmlns:a14="http://schemas.microsoft.com/office/drawing/2010/main">
+                  <a:solidFill>
+                    <a:srgbClr val="FFFFFF"/>
+                  </a:solidFill>
+                </a14:hiddenFill>
+              </a:ext>
+            </a:extLst>
+          </p:spPr>
+        </p:sp>
+        <p:sp>
+          <p:nvSpPr>
+            <p:cNvPr id="15" name="Freeform 11">
+              <a:extLst>
+                <a:ext uri="{FF2B5EF4-FFF2-40B4-BE49-F238E27FC236}">
+                  <a16:creationId xmlns:a16="http://schemas.microsoft.com/office/drawing/2014/main" id="{BFF78610-2475-4756-9EC8-5DA7D8902D5B}"/>
+                </a:ext>
+              </a:extLst>
+            </p:cNvPr>
+            <p:cNvSpPr/>
+            <p:nvPr>
+              <p:extLst>
+                <p:ext uri="{386F3935-93C4-4BCD-93E2-E3B085C9AB24}">
+                  <p16:designElem xmlns:p16="http://schemas.microsoft.com/office/powerpoint/2015/main" val="1"/>
+                </p:ext>
+              </p:extLst>
+            </p:nvPr>
+          </p:nvSpPr>
+          <p:spPr bwMode="auto">
+            <a:xfrm>
+              <a:off x="5426601" y="5579"/>
+              <a:ext cx="5788025" cy="6847184"/>
+            </a:xfrm>
+            <a:custGeom>
+              <a:avLst/>
+              <a:gdLst/>
+              <a:ahLst/>
+              <a:cxnLst/>
+              <a:rect l="0" t="0" r="r" b="b"/>
+              <a:pathLst>
+                <a:path w="1216" h="1436">
+                  <a:moveTo>
+                    <a:pt x="1094" y="1436"/>
+                  </a:moveTo>
+                  <a:cubicBezTo>
+                    <a:pt x="1216" y="1114"/>
+                    <a:pt x="904" y="770"/>
+                    <a:pt x="709" y="551"/>
+                  </a:cubicBezTo>
+                  <a:cubicBezTo>
+                    <a:pt x="509" y="327"/>
+                    <a:pt x="274" y="127"/>
+                    <a:pt x="0" y="0"/>
+                  </a:cubicBezTo>
+                </a:path>
+              </a:pathLst>
+            </a:custGeom>
+            <a:noFill/>
+            <a:ln w="9525" cap="flat">
+              <a:solidFill>
+                <a:schemeClr val="tx1">
+                  <a:alpha val="20000"/>
+                </a:schemeClr>
+              </a:solidFill>
+              <a:prstDash val="solid"/>
+              <a:miter lim="800000"/>
+              <a:headEnd/>
+              <a:tailEnd/>
+            </a:ln>
+            <a:extLst>
+              <a:ext uri="{909E8E84-426E-40DD-AFC4-6F175D3DCCD1}">
+                <a14:hiddenFill xmlns:a14="http://schemas.microsoft.com/office/drawing/2010/main">
+                  <a:solidFill>
+                    <a:srgbClr val="FFFFFF"/>
+                  </a:solidFill>
+                </a14:hiddenFill>
+              </a:ext>
+            </a:extLst>
+          </p:spPr>
+        </p:sp>
+        <p:sp>
+          <p:nvSpPr>
+            <p:cNvPr id="16" name="Freeform 12">
+              <a:extLst>
+                <a:ext uri="{FF2B5EF4-FFF2-40B4-BE49-F238E27FC236}">
+                  <a16:creationId xmlns:a16="http://schemas.microsoft.com/office/drawing/2014/main" id="{C7ACAE44-681D-4CBC-B2AB-E5131DF5A867}"/>
+                </a:ext>
+              </a:extLst>
+            </p:cNvPr>
+            <p:cNvSpPr/>
+            <p:nvPr>
+              <p:extLst>
+                <p:ext uri="{386F3935-93C4-4BCD-93E2-E3B085C9AB24}">
+                  <p16:designElem xmlns:p16="http://schemas.microsoft.com/office/powerpoint/2015/main" val="1"/>
+                </p:ext>
+              </p:extLst>
+            </p:nvPr>
+          </p:nvSpPr>
+          <p:spPr bwMode="auto">
+            <a:xfrm>
+              <a:off x="-1061" y="5579"/>
+              <a:ext cx="1057275" cy="614491"/>
+            </a:xfrm>
+            <a:custGeom>
+              <a:avLst/>
+              <a:gdLst/>
+              <a:ahLst/>
+              <a:cxnLst/>
+              <a:rect l="0" t="0" r="r" b="b"/>
+              <a:pathLst>
+                <a:path w="222" h="129">
+                  <a:moveTo>
+                    <a:pt x="222" y="0"/>
+                  </a:moveTo>
+                  <a:cubicBezTo>
+                    <a:pt x="152" y="35"/>
+                    <a:pt x="76" y="78"/>
+                    <a:pt x="0" y="129"/>
+                  </a:cubicBezTo>
+                </a:path>
+              </a:pathLst>
+            </a:custGeom>
+            <a:noFill/>
+            <a:ln w="9525" cap="flat">
+              <a:solidFill>
+                <a:schemeClr val="tx1">
+                  <a:alpha val="20000"/>
+                </a:schemeClr>
+              </a:solidFill>
+              <a:prstDash val="solid"/>
+              <a:miter lim="800000"/>
+              <a:headEnd/>
+              <a:tailEnd/>
+            </a:ln>
+            <a:extLst>
+              <a:ext uri="{909E8E84-426E-40DD-AFC4-6F175D3DCCD1}">
+                <a14:hiddenFill xmlns:a14="http://schemas.microsoft.com/office/drawing/2010/main">
+                  <a:solidFill>
+                    <a:srgbClr val="FFFFFF"/>
+                  </a:solidFill>
+                </a14:hiddenFill>
+              </a:ext>
+            </a:extLst>
+          </p:spPr>
+        </p:sp>
+        <p:sp>
+          <p:nvSpPr>
+            <p:cNvPr id="17" name="Freeform 13">
+              <a:extLst>
+                <a:ext uri="{FF2B5EF4-FFF2-40B4-BE49-F238E27FC236}">
+                  <a16:creationId xmlns:a16="http://schemas.microsoft.com/office/drawing/2014/main" id="{CA22E4A0-73AA-4722-9C16-F3AF9A33EC5C}"/>
+                </a:ext>
+              </a:extLst>
+            </p:cNvPr>
+            <p:cNvSpPr/>
+            <p:nvPr>
+              <p:extLst>
+                <p:ext uri="{386F3935-93C4-4BCD-93E2-E3B085C9AB24}">
+                  <p16:designElem xmlns:p16="http://schemas.microsoft.com/office/powerpoint/2015/main" val="1"/>
+                </p:ext>
+              </p:extLst>
+            </p:nvPr>
+          </p:nvSpPr>
+          <p:spPr bwMode="auto">
+            <a:xfrm>
+              <a:off x="5821889" y="5579"/>
+              <a:ext cx="5588000" cy="6866337"/>
+            </a:xfrm>
+            <a:custGeom>
+              <a:avLst/>
+              <a:gdLst/>
+              <a:ahLst/>
+              <a:cxnLst/>
+              <a:rect l="0" t="0" r="r" b="b"/>
+              <a:pathLst>
+                <a:path w="1174" h="1440">
+                  <a:moveTo>
+                    <a:pt x="1067" y="1440"/>
+                  </a:moveTo>
+                  <a:cubicBezTo>
+                    <a:pt x="1174" y="1124"/>
+                    <a:pt x="887" y="797"/>
+                    <a:pt x="698" y="577"/>
+                  </a:cubicBezTo>
+                  <a:cubicBezTo>
+                    <a:pt x="500" y="348"/>
+                    <a:pt x="270" y="141"/>
+                    <a:pt x="0" y="0"/>
+                  </a:cubicBezTo>
+                </a:path>
+              </a:pathLst>
+            </a:custGeom>
+            <a:noFill/>
+            <a:ln w="9525" cap="flat">
+              <a:solidFill>
+                <a:schemeClr val="tx1">
+                  <a:alpha val="20000"/>
+                </a:schemeClr>
+              </a:solidFill>
+              <a:prstDash val="dash"/>
+              <a:miter lim="800000"/>
+              <a:headEnd/>
+              <a:tailEnd/>
+            </a:ln>
+            <a:extLst>
+              <a:ext uri="{909E8E84-426E-40DD-AFC4-6F175D3DCCD1}">
+                <a14:hiddenFill xmlns:a14="http://schemas.microsoft.com/office/drawing/2010/main">
+                  <a:solidFill>
+                    <a:srgbClr val="FFFFFF"/>
+                  </a:solidFill>
+                </a14:hiddenFill>
+              </a:ext>
+            </a:extLst>
+          </p:spPr>
+        </p:sp>
+        <p:sp>
+          <p:nvSpPr>
+            <p:cNvPr id="18" name="Freeform 14">
+              <a:extLst>
+                <a:ext uri="{FF2B5EF4-FFF2-40B4-BE49-F238E27FC236}">
+                  <a16:creationId xmlns:a16="http://schemas.microsoft.com/office/drawing/2014/main" id="{BB36E626-EBEB-41C0-B224-8DB049DB4D72}"/>
+                </a:ext>
+              </a:extLst>
+            </p:cNvPr>
+            <p:cNvSpPr/>
+            <p:nvPr>
+              <p:extLst>
+                <p:ext uri="{386F3935-93C4-4BCD-93E2-E3B085C9AB24}">
+                  <p16:designElem xmlns:p16="http://schemas.microsoft.com/office/powerpoint/2015/main" val="1"/>
+                </p:ext>
+              </p:extLst>
+            </p:nvPr>
+          </p:nvSpPr>
+          <p:spPr bwMode="auto">
+            <a:xfrm>
+              <a:off x="3701" y="790"/>
+              <a:ext cx="595313" cy="352734"/>
+            </a:xfrm>
+            <a:custGeom>
+              <a:avLst/>
+              <a:gdLst/>
+              <a:ahLst/>
+              <a:cxnLst/>
+              <a:rect l="0" t="0" r="r" b="b"/>
+              <a:pathLst>
+                <a:path w="125" h="74">
+                  <a:moveTo>
+                    <a:pt x="125" y="0"/>
+                  </a:moveTo>
+                  <a:cubicBezTo>
+                    <a:pt x="85" y="22"/>
+                    <a:pt x="43" y="47"/>
+                    <a:pt x="0" y="74"/>
+                  </a:cubicBezTo>
+                </a:path>
+              </a:pathLst>
+            </a:custGeom>
+            <a:noFill/>
+            <a:ln w="9525" cap="flat">
+              <a:solidFill>
+                <a:schemeClr val="tx1">
+                  <a:alpha val="20000"/>
+                </a:schemeClr>
+              </a:solidFill>
+              <a:prstDash val="dash"/>
+              <a:miter lim="800000"/>
+              <a:headEnd/>
+              <a:tailEnd/>
+            </a:ln>
+            <a:extLst>
+              <a:ext uri="{909E8E84-426E-40DD-AFC4-6F175D3DCCD1}">
+                <a14:hiddenFill xmlns:a14="http://schemas.microsoft.com/office/drawing/2010/main">
+                  <a:solidFill>
+                    <a:srgbClr val="FFFFFF"/>
+                  </a:solidFill>
+                </a14:hiddenFill>
+              </a:ext>
+            </a:extLst>
+          </p:spPr>
+        </p:sp>
+        <p:sp>
+          <p:nvSpPr>
+            <p:cNvPr id="19" name="Freeform 15">
+              <a:extLst>
+                <a:ext uri="{FF2B5EF4-FFF2-40B4-BE49-F238E27FC236}">
+                  <a16:creationId xmlns:a16="http://schemas.microsoft.com/office/drawing/2014/main" id="{D603DEC5-BED4-4DB6-A253-F61CC367423A}"/>
+                </a:ext>
+              </a:extLst>
+            </p:cNvPr>
+            <p:cNvSpPr/>
+            <p:nvPr>
+              <p:extLst>
+                <p:ext uri="{386F3935-93C4-4BCD-93E2-E3B085C9AB24}">
+                  <p16:designElem xmlns:p16="http://schemas.microsoft.com/office/powerpoint/2015/main" val="1"/>
+                </p:ext>
+              </p:extLst>
+            </p:nvPr>
+          </p:nvSpPr>
+          <p:spPr bwMode="auto">
+            <a:xfrm>
+              <a:off x="6012389" y="5579"/>
+              <a:ext cx="5497513" cy="6866337"/>
+            </a:xfrm>
+            <a:custGeom>
+              <a:avLst/>
+              <a:gdLst/>
+              <a:ahLst/>
+              <a:cxnLst/>
+              <a:rect l="0" t="0" r="r" b="b"/>
+              <a:pathLst>
+                <a:path w="1155" h="1440">
+                  <a:moveTo>
+                    <a:pt x="1056" y="1440"/>
+                  </a:moveTo>
+                  <a:cubicBezTo>
+                    <a:pt x="1155" y="1123"/>
+                    <a:pt x="875" y="801"/>
+                    <a:pt x="686" y="580"/>
+                  </a:cubicBezTo>
+                  <a:cubicBezTo>
+                    <a:pt x="491" y="352"/>
+                    <a:pt x="264" y="145"/>
+                    <a:pt x="0" y="0"/>
+                  </a:cubicBezTo>
+                </a:path>
+              </a:pathLst>
+            </a:custGeom>
+            <a:noFill/>
+            <a:ln w="12700" cap="flat">
+              <a:solidFill>
+                <a:schemeClr val="tx1">
+                  <a:alpha val="20000"/>
+                </a:schemeClr>
+              </a:solidFill>
+              <a:prstDash val="dashDot"/>
+              <a:miter lim="800000"/>
+              <a:headEnd/>
+              <a:tailEnd/>
+            </a:ln>
+            <a:extLst>
+              <a:ext uri="{909E8E84-426E-40DD-AFC4-6F175D3DCCD1}">
+                <a14:hiddenFill xmlns:a14="http://schemas.microsoft.com/office/drawing/2010/main">
+                  <a:solidFill>
+                    <a:srgbClr val="FFFFFF"/>
+                  </a:solidFill>
+                </a14:hiddenFill>
+              </a:ext>
+            </a:extLst>
+          </p:spPr>
+        </p:sp>
+        <p:sp>
+          <p:nvSpPr>
+            <p:cNvPr id="20" name="Freeform 16">
+              <a:extLst>
+                <a:ext uri="{FF2B5EF4-FFF2-40B4-BE49-F238E27FC236}">
+                  <a16:creationId xmlns:a16="http://schemas.microsoft.com/office/drawing/2014/main" id="{86AE9DE6-CA9A-479B-A0FB-0E1BAC7A65ED}"/>
+                </a:ext>
+              </a:extLst>
+            </p:cNvPr>
+            <p:cNvSpPr/>
+            <p:nvPr>
+              <p:extLst>
+                <p:ext uri="{386F3935-93C4-4BCD-93E2-E3B085C9AB24}">
+                  <p16:designElem xmlns:p16="http://schemas.microsoft.com/office/powerpoint/2015/main" val="1"/>
+                </p:ext>
+              </p:extLst>
+            </p:nvPr>
+          </p:nvSpPr>
+          <p:spPr bwMode="auto">
+            <a:xfrm>
+              <a:off x="-1061" y="5579"/>
+              <a:ext cx="357188" cy="213875"/>
+            </a:xfrm>
+            <a:custGeom>
+              <a:avLst/>
+              <a:gdLst/>
+              <a:ahLst/>
+              <a:cxnLst/>
+              <a:rect l="0" t="0" r="r" b="b"/>
+              <a:pathLst>
+                <a:path w="75" h="45">
+                  <a:moveTo>
+                    <a:pt x="75" y="0"/>
+                  </a:moveTo>
+                  <a:cubicBezTo>
+                    <a:pt x="50" y="14"/>
+                    <a:pt x="25" y="29"/>
+                    <a:pt x="0" y="45"/>
+                  </a:cubicBezTo>
+                </a:path>
+              </a:pathLst>
+            </a:custGeom>
+            <a:noFill/>
+            <a:ln w="12700" cap="flat">
+              <a:solidFill>
+                <a:schemeClr val="tx1">
+                  <a:alpha val="20000"/>
+                </a:schemeClr>
+              </a:solidFill>
+              <a:prstDash val="dashDot"/>
+              <a:miter lim="800000"/>
+              <a:headEnd/>
+              <a:tailEnd/>
+            </a:ln>
+            <a:extLst>
+              <a:ext uri="{909E8E84-426E-40DD-AFC4-6F175D3DCCD1}">
+                <a14:hiddenFill xmlns:a14="http://schemas.microsoft.com/office/drawing/2010/main">
+                  <a:solidFill>
+                    <a:srgbClr val="FFFFFF"/>
+                  </a:solidFill>
+                </a14:hiddenFill>
+              </a:ext>
+            </a:extLst>
+          </p:spPr>
+        </p:sp>
+        <p:sp>
+          <p:nvSpPr>
+            <p:cNvPr id="21" name="Freeform 17">
+              <a:extLst>
+                <a:ext uri="{FF2B5EF4-FFF2-40B4-BE49-F238E27FC236}">
+                  <a16:creationId xmlns:a16="http://schemas.microsoft.com/office/drawing/2014/main" id="{16CB8DC8-E75F-4574-A290-AAB7031BE8A3}"/>
+                </a:ext>
+              </a:extLst>
+            </p:cNvPr>
+            <p:cNvSpPr/>
+            <p:nvPr>
+              <p:extLst>
+                <p:ext uri="{386F3935-93C4-4BCD-93E2-E3B085C9AB24}">
+                  <p16:designElem xmlns:p16="http://schemas.microsoft.com/office/powerpoint/2015/main" val="1"/>
+                </p:ext>
+              </p:extLst>
+            </p:nvPr>
+          </p:nvSpPr>
+          <p:spPr bwMode="auto">
+            <a:xfrm>
+              <a:off x="6210826" y="790"/>
+              <a:ext cx="5522913" cy="6871126"/>
+            </a:xfrm>
+            <a:custGeom>
+              <a:avLst/>
+              <a:gdLst/>
+              <a:ahLst/>
+              <a:cxnLst/>
+              <a:rect l="0" t="0" r="r" b="b"/>
+              <a:pathLst>
+                <a:path w="1160" h="1441">
+                  <a:moveTo>
+                    <a:pt x="1053" y="1441"/>
+                  </a:moveTo>
+                  <a:cubicBezTo>
+                    <a:pt x="1160" y="1129"/>
+                    <a:pt x="892" y="817"/>
+                    <a:pt x="705" y="599"/>
+                  </a:cubicBezTo>
+                  <a:cubicBezTo>
+                    <a:pt x="503" y="365"/>
+                    <a:pt x="270" y="152"/>
+                    <a:pt x="0" y="0"/>
+                  </a:cubicBezTo>
+                </a:path>
+              </a:pathLst>
+            </a:custGeom>
+            <a:noFill/>
+            <a:ln w="9525" cap="flat">
+              <a:solidFill>
+                <a:schemeClr val="tx1">
+                  <a:alpha val="20000"/>
+                </a:schemeClr>
+              </a:solidFill>
+              <a:prstDash val="solid"/>
+              <a:miter lim="800000"/>
+              <a:headEnd/>
+              <a:tailEnd/>
+            </a:ln>
+            <a:extLst>
+              <a:ext uri="{909E8E84-426E-40DD-AFC4-6F175D3DCCD1}">
+                <a14:hiddenFill xmlns:a14="http://schemas.microsoft.com/office/drawing/2010/main">
+                  <a:solidFill>
+                    <a:srgbClr val="FFFFFF"/>
+                  </a:solidFill>
+                </a14:hiddenFill>
+              </a:ext>
+            </a:extLst>
+          </p:spPr>
+        </p:sp>
+        <p:sp>
+          <p:nvSpPr>
+            <p:cNvPr id="22" name="Freeform 18">
+              <a:extLst>
+                <a:ext uri="{FF2B5EF4-FFF2-40B4-BE49-F238E27FC236}">
+                  <a16:creationId xmlns:a16="http://schemas.microsoft.com/office/drawing/2014/main" id="{1CA657E1-3A52-4C23-AA47-EBB2D5C41487}"/>
+                </a:ext>
+              </a:extLst>
+            </p:cNvPr>
+            <p:cNvSpPr/>
+            <p:nvPr>
+              <p:extLst>
+                <p:ext uri="{386F3935-93C4-4BCD-93E2-E3B085C9AB24}">
+                  <p16:designElem xmlns:p16="http://schemas.microsoft.com/office/powerpoint/2015/main" val="1"/>
+                </p:ext>
+              </p:extLst>
+            </p:nvPr>
+          </p:nvSpPr>
+          <p:spPr bwMode="auto">
+            <a:xfrm>
+              <a:off x="6463239" y="5579"/>
+              <a:ext cx="5413375" cy="6866337"/>
+            </a:xfrm>
+            <a:custGeom>
+              <a:avLst/>
+              <a:gdLst/>
+              <a:ahLst/>
+              <a:cxnLst/>
+              <a:rect l="0" t="0" r="r" b="b"/>
+              <a:pathLst>
+                <a:path w="1137" h="1440">
+                  <a:moveTo>
+                    <a:pt x="1040" y="1440"/>
+                  </a:moveTo>
+                  <a:cubicBezTo>
+                    <a:pt x="1137" y="1131"/>
+                    <a:pt x="883" y="828"/>
+                    <a:pt x="698" y="611"/>
+                  </a:cubicBezTo>
+                  <a:cubicBezTo>
+                    <a:pt x="498" y="375"/>
+                    <a:pt x="268" y="159"/>
+                    <a:pt x="0" y="0"/>
+                  </a:cubicBezTo>
+                </a:path>
+              </a:pathLst>
+            </a:custGeom>
+            <a:noFill/>
+            <a:ln w="9525" cap="flat">
+              <a:solidFill>
+                <a:schemeClr val="tx1">
+                  <a:alpha val="20000"/>
+                </a:schemeClr>
+              </a:solidFill>
+              <a:prstDash val="solid"/>
+              <a:miter lim="800000"/>
+              <a:headEnd/>
+              <a:tailEnd/>
+            </a:ln>
+            <a:extLst>
+              <a:ext uri="{909E8E84-426E-40DD-AFC4-6F175D3DCCD1}">
+                <a14:hiddenFill xmlns:a14="http://schemas.microsoft.com/office/drawing/2010/main">
+                  <a:solidFill>
+                    <a:srgbClr val="FFFFFF"/>
+                  </a:solidFill>
+                </a14:hiddenFill>
+              </a:ext>
+            </a:extLst>
+          </p:spPr>
+        </p:sp>
+        <p:sp>
+          <p:nvSpPr>
+            <p:cNvPr id="23" name="Freeform 19">
+              <a:extLst>
+                <a:ext uri="{FF2B5EF4-FFF2-40B4-BE49-F238E27FC236}">
+                  <a16:creationId xmlns:a16="http://schemas.microsoft.com/office/drawing/2014/main" id="{ED4F701B-2A93-464F-A673-54EED5C4C4CE}"/>
+                </a:ext>
+              </a:extLst>
+            </p:cNvPr>
+            <p:cNvSpPr/>
+            <p:nvPr>
+              <p:extLst>
+                <p:ext uri="{386F3935-93C4-4BCD-93E2-E3B085C9AB24}">
+                  <p16:designElem xmlns:p16="http://schemas.microsoft.com/office/powerpoint/2015/main" val="1"/>
+                </p:ext>
+              </p:extLst>
+            </p:nvPr>
+          </p:nvSpPr>
+          <p:spPr bwMode="auto">
+            <a:xfrm>
+              <a:off x="6877576" y="5579"/>
+              <a:ext cx="5037138" cy="6861550"/>
+            </a:xfrm>
+            <a:custGeom>
+              <a:avLst/>
+              <a:gdLst/>
+              <a:ahLst/>
+              <a:cxnLst/>
+              <a:rect l="0" t="0" r="r" b="b"/>
+              <a:pathLst>
+                <a:path w="1058" h="1439">
+                  <a:moveTo>
+                    <a:pt x="1011" y="1439"/>
+                  </a:moveTo>
+                  <a:cubicBezTo>
+                    <a:pt x="1058" y="1131"/>
+                    <a:pt x="825" y="841"/>
+                    <a:pt x="648" y="617"/>
+                  </a:cubicBezTo>
+                  <a:cubicBezTo>
+                    <a:pt x="462" y="383"/>
+                    <a:pt x="248" y="168"/>
+                    <a:pt x="0" y="0"/>
+                  </a:cubicBezTo>
+                </a:path>
+              </a:pathLst>
+            </a:custGeom>
+            <a:noFill/>
+            <a:ln w="9525" cap="flat">
+              <a:solidFill>
+                <a:schemeClr val="tx1">
+                  <a:alpha val="20000"/>
+                </a:schemeClr>
+              </a:solidFill>
+              <a:prstDash val="solid"/>
+              <a:miter lim="800000"/>
+              <a:headEnd/>
+              <a:tailEnd/>
+            </a:ln>
+            <a:extLst>
+              <a:ext uri="{909E8E84-426E-40DD-AFC4-6F175D3DCCD1}">
+                <a14:hiddenFill xmlns:a14="http://schemas.microsoft.com/office/drawing/2010/main">
+                  <a:solidFill>
+                    <a:srgbClr val="FFFFFF"/>
+                  </a:solidFill>
+                </a14:hiddenFill>
+              </a:ext>
+            </a:extLst>
+          </p:spPr>
+        </p:sp>
+        <p:sp>
+          <p:nvSpPr>
+            <p:cNvPr id="24" name="Freeform 20">
+              <a:extLst>
+                <a:ext uri="{FF2B5EF4-FFF2-40B4-BE49-F238E27FC236}">
+                  <a16:creationId xmlns:a16="http://schemas.microsoft.com/office/drawing/2014/main" id="{9977C34F-F6C9-4749-B201-7B928802DFF9}"/>
+                </a:ext>
+              </a:extLst>
+            </p:cNvPr>
+            <p:cNvSpPr/>
+            <p:nvPr>
+              <p:extLst>
+                <p:ext uri="{386F3935-93C4-4BCD-93E2-E3B085C9AB24}">
+                  <p16:designElem xmlns:p16="http://schemas.microsoft.com/office/powerpoint/2015/main" val="1"/>
+                </p:ext>
+              </p:extLst>
+            </p:nvPr>
+          </p:nvSpPr>
+          <p:spPr bwMode="auto">
+            <a:xfrm>
+              <a:off x="8768289" y="5579"/>
+              <a:ext cx="3417888" cy="2742066"/>
+            </a:xfrm>
+            <a:custGeom>
+              <a:avLst/>
+              <a:gdLst/>
+              <a:ahLst/>
+              <a:cxnLst/>
+              <a:rect l="0" t="0" r="r" b="b"/>
+              <a:pathLst>
+                <a:path w="718" h="575">
+                  <a:moveTo>
+                    <a:pt x="718" y="575"/>
+                  </a:moveTo>
+                  <a:cubicBezTo>
+                    <a:pt x="500" y="360"/>
+                    <a:pt x="260" y="163"/>
+                    <a:pt x="0" y="0"/>
+                  </a:cubicBezTo>
+                </a:path>
+              </a:pathLst>
+            </a:custGeom>
+            <a:noFill/>
+            <a:ln w="9525" cap="flat">
+              <a:solidFill>
+                <a:schemeClr val="tx1">
+                  <a:alpha val="20000"/>
+                </a:schemeClr>
+              </a:solidFill>
+              <a:prstDash val="solid"/>
+              <a:miter lim="800000"/>
+              <a:headEnd/>
+              <a:tailEnd/>
+            </a:ln>
+            <a:extLst>
+              <a:ext uri="{909E8E84-426E-40DD-AFC4-6F175D3DCCD1}">
+                <a14:hiddenFill xmlns:a14="http://schemas.microsoft.com/office/drawing/2010/main">
+                  <a:solidFill>
+                    <a:srgbClr val="FFFFFF"/>
+                  </a:solidFill>
+                </a14:hiddenFill>
+              </a:ext>
+            </a:extLst>
+          </p:spPr>
+        </p:sp>
+        <p:sp>
+          <p:nvSpPr>
+            <p:cNvPr id="25" name="Freeform 21">
+              <a:extLst>
+                <a:ext uri="{FF2B5EF4-FFF2-40B4-BE49-F238E27FC236}">
+                  <a16:creationId xmlns:a16="http://schemas.microsoft.com/office/drawing/2014/main" id="{3A913E6B-DBE9-4291-A34C-36069ECB8E67}"/>
+                </a:ext>
+              </a:extLst>
+            </p:cNvPr>
+            <p:cNvSpPr/>
+            <p:nvPr>
+              <p:extLst>
+                <p:ext uri="{386F3935-93C4-4BCD-93E2-E3B085C9AB24}">
+                  <p16:designElem xmlns:p16="http://schemas.microsoft.com/office/powerpoint/2015/main" val="1"/>
+                </p:ext>
+              </p:extLst>
+            </p:nvPr>
+          </p:nvSpPr>
+          <p:spPr bwMode="auto">
+            <a:xfrm>
+              <a:off x="9235014" y="10367"/>
+              <a:ext cx="2951163" cy="2555325"/>
+            </a:xfrm>
+            <a:custGeom>
+              <a:avLst/>
+              <a:gdLst/>
+              <a:ahLst/>
+              <a:cxnLst/>
+              <a:rect l="0" t="0" r="r" b="b"/>
+              <a:pathLst>
+                <a:path w="620" h="536">
+                  <a:moveTo>
+                    <a:pt x="620" y="536"/>
+                  </a:moveTo>
+                  <a:cubicBezTo>
+                    <a:pt x="404" y="314"/>
+                    <a:pt x="196" y="138"/>
+                    <a:pt x="0" y="0"/>
+                  </a:cubicBezTo>
+                </a:path>
+              </a:pathLst>
+            </a:custGeom>
+            <a:noFill/>
+            <a:ln w="9525" cap="flat">
+              <a:solidFill>
+                <a:schemeClr val="tx1">
+                  <a:alpha val="20000"/>
+                </a:schemeClr>
+              </a:solidFill>
+              <a:prstDash val="solid"/>
+              <a:miter lim="800000"/>
+              <a:headEnd/>
+              <a:tailEnd/>
+            </a:ln>
+            <a:extLst>
+              <a:ext uri="{909E8E84-426E-40DD-AFC4-6F175D3DCCD1}">
+                <a14:hiddenFill xmlns:a14="http://schemas.microsoft.com/office/drawing/2010/main">
+                  <a:solidFill>
+                    <a:srgbClr val="FFFFFF"/>
+                  </a:solidFill>
+                </a14:hiddenFill>
+              </a:ext>
+            </a:extLst>
+          </p:spPr>
+        </p:sp>
+        <p:sp>
+          <p:nvSpPr>
+            <p:cNvPr id="26" name="Freeform 22">
+              <a:extLst>
+                <a:ext uri="{FF2B5EF4-FFF2-40B4-BE49-F238E27FC236}">
+                  <a16:creationId xmlns:a16="http://schemas.microsoft.com/office/drawing/2014/main" id="{7D415C04-AB5C-4B76-9E49-EEBAEE64D045}"/>
+                </a:ext>
+              </a:extLst>
+            </p:cNvPr>
+            <p:cNvSpPr/>
+            <p:nvPr>
+              <p:extLst>
+                <p:ext uri="{386F3935-93C4-4BCD-93E2-E3B085C9AB24}">
+                  <p16:designElem xmlns:p16="http://schemas.microsoft.com/office/powerpoint/2015/main" val="1"/>
+                </p:ext>
+              </p:extLst>
+            </p:nvPr>
+          </p:nvSpPr>
+          <p:spPr bwMode="auto">
+            <a:xfrm>
+              <a:off x="10020826" y="5579"/>
+              <a:ext cx="2165350" cy="1358265"/>
+            </a:xfrm>
+            <a:custGeom>
+              <a:avLst/>
+              <a:gdLst/>
+              <a:ahLst/>
+              <a:cxnLst/>
+              <a:rect l="0" t="0" r="r" b="b"/>
+              <a:pathLst>
+                <a:path w="455" h="285">
+                  <a:moveTo>
+                    <a:pt x="0" y="0"/>
+                  </a:moveTo>
+                  <a:cubicBezTo>
+                    <a:pt x="153" y="85"/>
+                    <a:pt x="308" y="180"/>
+                    <a:pt x="455" y="285"/>
+                  </a:cubicBezTo>
+                </a:path>
+              </a:pathLst>
+            </a:custGeom>
+            <a:noFill/>
+            <a:ln w="9525" cap="flat">
+              <a:solidFill>
+                <a:schemeClr val="tx1">
+                  <a:alpha val="20000"/>
+                </a:schemeClr>
+              </a:solidFill>
+              <a:prstDash val="dash"/>
+              <a:miter lim="800000"/>
+              <a:headEnd/>
+              <a:tailEnd/>
+            </a:ln>
+            <a:extLst>
+              <a:ext uri="{909E8E84-426E-40DD-AFC4-6F175D3DCCD1}">
+                <a14:hiddenFill xmlns:a14="http://schemas.microsoft.com/office/drawing/2010/main">
+                  <a:solidFill>
+                    <a:srgbClr val="FFFFFF"/>
+                  </a:solidFill>
+                </a14:hiddenFill>
+              </a:ext>
+            </a:extLst>
+          </p:spPr>
+        </p:sp>
+        <p:sp>
+          <p:nvSpPr>
+            <p:cNvPr id="27" name="Freeform 23">
+              <a:extLst>
+                <a:ext uri="{FF2B5EF4-FFF2-40B4-BE49-F238E27FC236}">
+                  <a16:creationId xmlns:a16="http://schemas.microsoft.com/office/drawing/2014/main" id="{151FDC11-E872-4EAE-A597-822F9FE17086}"/>
+                </a:ext>
+              </a:extLst>
+            </p:cNvPr>
+            <p:cNvSpPr/>
+            <p:nvPr>
+              <p:extLst>
+                <p:ext uri="{386F3935-93C4-4BCD-93E2-E3B085C9AB24}">
+                  <p16:designElem xmlns:p16="http://schemas.microsoft.com/office/powerpoint/2015/main" val="1"/>
+                </p:ext>
+              </p:extLst>
+            </p:nvPr>
+          </p:nvSpPr>
+          <p:spPr bwMode="auto">
+            <a:xfrm>
+              <a:off x="11290826" y="5579"/>
+              <a:ext cx="895350" cy="534687"/>
+            </a:xfrm>
+            <a:custGeom>
+              <a:avLst/>
+              <a:gdLst/>
+              <a:ahLst/>
+              <a:cxnLst/>
+              <a:rect l="0" t="0" r="r" b="b"/>
+              <a:pathLst>
+                <a:path w="188" h="112">
+                  <a:moveTo>
+                    <a:pt x="0" y="0"/>
+                  </a:moveTo>
+                  <a:cubicBezTo>
+                    <a:pt x="63" y="36"/>
+                    <a:pt x="126" y="73"/>
+                    <a:pt x="188" y="112"/>
+                  </a:cubicBezTo>
+                </a:path>
+              </a:pathLst>
+            </a:custGeom>
+            <a:noFill/>
+            <a:ln w="9525" cap="flat">
+              <a:solidFill>
+                <a:schemeClr val="tx1">
+                  <a:alpha val="20000"/>
+                </a:schemeClr>
+              </a:solidFill>
+              <a:prstDash val="solid"/>
+              <a:miter lim="800000"/>
+              <a:headEnd/>
+              <a:tailEnd/>
+            </a:ln>
+            <a:extLst>
+              <a:ext uri="{909E8E84-426E-40DD-AFC4-6F175D3DCCD1}">
+                <a14:hiddenFill xmlns:a14="http://schemas.microsoft.com/office/drawing/2010/main">
+                  <a:solidFill>
+                    <a:srgbClr val="FFFFFF"/>
+                  </a:solidFill>
+                </a14:hiddenFill>
+              </a:ext>
+            </a:extLst>
+          </p:spPr>
+        </p:sp>
+      </p:grpSp>
+      <p:grpSp>
+        <p:nvGrpSpPr>
+          <p:cNvPr id="66" name="Group 28">
+            <a:extLst>
+              <a:ext uri="{FF2B5EF4-FFF2-40B4-BE49-F238E27FC236}">
+                <a16:creationId xmlns:a16="http://schemas.microsoft.com/office/drawing/2014/main" id="{1B24766B-81CA-44C7-BF11-77A12BA42411}"/>
+              </a:ext>
+            </a:extLst>
+          </p:cNvPr>
+          <p:cNvGrpSpPr>
+            <a:grpSpLocks noGrp="1" noUngrp="1" noRot="1" noChangeAspect="1" noMove="1" noResize="1"/>
+          </p:cNvGrpSpPr>
+          <p:nvPr>
+            <p:extLst>
+              <p:ext uri="{386F3935-93C4-4BCD-93E2-E3B085C9AB24}">
+                <p16:designElem xmlns:p16="http://schemas.microsoft.com/office/powerpoint/2015/main" val="1"/>
+              </p:ext>
+            </p:extLst>
+          </p:nvPr>
+        </p:nvGrpSpPr>
+        <p:grpSpPr>
+          <a:xfrm>
+            <a:off x="1669293" y="1186483"/>
+            <a:ext cx="8848345" cy="4477933"/>
+            <a:chOff x="1669293" y="1186483"/>
+            <a:chExt cx="8848345" cy="4477933"/>
+          </a:xfrm>
+        </p:grpSpPr>
+        <p:sp>
+          <p:nvSpPr>
+            <p:cNvPr id="30" name="Rectangle 29">
+              <a:extLst>
+                <a:ext uri="{FF2B5EF4-FFF2-40B4-BE49-F238E27FC236}">
+                  <a16:creationId xmlns:a16="http://schemas.microsoft.com/office/drawing/2014/main" id="{1A2F9962-DEB8-461C-8B4C-C0ED0D8A7B70}"/>
+                </a:ext>
+              </a:extLst>
+            </p:cNvPr>
+            <p:cNvSpPr/>
+            <p:nvPr>
+              <p:extLst>
+                <p:ext uri="{386F3935-93C4-4BCD-93E2-E3B085C9AB24}">
+                  <p16:designElem xmlns:p16="http://schemas.microsoft.com/office/powerpoint/2015/main" val="1"/>
+                </p:ext>
+              </p:extLst>
+            </p:nvPr>
+          </p:nvSpPr>
+          <p:spPr>
+            <a:xfrm>
+              <a:off x="1674042" y="1186483"/>
+              <a:ext cx="8843596" cy="716184"/>
+            </a:xfrm>
+            <a:prstGeom prst="rect">
+              <a:avLst/>
+            </a:prstGeom>
+            <a:solidFill>
+              <a:schemeClr val="accent1"/>
+            </a:solidFill>
+            <a:ln>
+              <a:noFill/>
+            </a:ln>
+          </p:spPr>
+          <p:style>
+            <a:lnRef idx="2">
+              <a:schemeClr val="accent1">
+                <a:shade val="50000"/>
+              </a:schemeClr>
+            </a:lnRef>
+            <a:fillRef idx="1">
+              <a:schemeClr val="accent1"/>
+            </a:fillRef>
+            <a:effectRef idx="0">
+              <a:schemeClr val="accent1"/>
+            </a:effectRef>
+            <a:fontRef idx="minor">
+              <a:schemeClr val="lt1"/>
+            </a:fontRef>
+          </p:style>
+        </p:sp>
+        <p:sp>
+          <p:nvSpPr>
+            <p:cNvPr id="31" name="Isosceles Triangle 30">
+              <a:extLst>
+                <a:ext uri="{FF2B5EF4-FFF2-40B4-BE49-F238E27FC236}">
+                  <a16:creationId xmlns:a16="http://schemas.microsoft.com/office/drawing/2014/main" id="{C0672E08-EB09-4B8E-8522-24BBC2CFFD28}"/>
+                </a:ext>
+              </a:extLst>
+            </p:cNvPr>
+            <p:cNvSpPr/>
+            <p:nvPr>
+              <p:extLst>
+                <p:ext uri="{386F3935-93C4-4BCD-93E2-E3B085C9AB24}">
+                  <p16:designElem xmlns:p16="http://schemas.microsoft.com/office/powerpoint/2015/main" val="1"/>
+                </p:ext>
+              </p:extLst>
+            </p:nvPr>
+          </p:nvSpPr>
+          <p:spPr>
+            <a:xfrm rot="10800000">
+              <a:off x="5892384" y="5313353"/>
+              <a:ext cx="407233" cy="351063"/>
+            </a:xfrm>
+            <a:prstGeom prst="triangle">
+              <a:avLst/>
+            </a:prstGeom>
+            <a:solidFill>
+              <a:schemeClr val="accent1"/>
+            </a:solidFill>
+            <a:ln>
+              <a:noFill/>
+            </a:ln>
+          </p:spPr>
+          <p:style>
+            <a:lnRef idx="2">
+              <a:schemeClr val="accent1">
+                <a:shade val="50000"/>
+              </a:schemeClr>
+            </a:lnRef>
+            <a:fillRef idx="1">
+              <a:schemeClr val="accent1"/>
+            </a:fillRef>
+            <a:effectRef idx="0">
+              <a:schemeClr val="accent1"/>
+            </a:effectRef>
+            <a:fontRef idx="minor">
+              <a:schemeClr val="lt1"/>
+            </a:fontRef>
+          </p:style>
+        </p:sp>
+        <p:sp>
+          <p:nvSpPr>
+            <p:cNvPr id="32" name="Rectangle 31">
+              <a:extLst>
+                <a:ext uri="{FF2B5EF4-FFF2-40B4-BE49-F238E27FC236}">
+                  <a16:creationId xmlns:a16="http://schemas.microsoft.com/office/drawing/2014/main" id="{3447AB64-F3EC-4A1F-BFD4-F0F9DB3DAD7B}"/>
+                </a:ext>
+              </a:extLst>
+            </p:cNvPr>
+            <p:cNvSpPr/>
+            <p:nvPr>
+              <p:extLst>
+                <p:ext uri="{386F3935-93C4-4BCD-93E2-E3B085C9AB24}">
+                  <p16:designElem xmlns:p16="http://schemas.microsoft.com/office/powerpoint/2015/main" val="1"/>
+                </p:ext>
+              </p:extLst>
+            </p:nvPr>
+          </p:nvSpPr>
+          <p:spPr>
+            <a:xfrm>
+              <a:off x="1669293" y="1991156"/>
+              <a:ext cx="8845667" cy="3322196"/>
+            </a:xfrm>
+            <a:prstGeom prst="rect">
+              <a:avLst/>
+            </a:prstGeom>
+            <a:solidFill>
+              <a:schemeClr val="accent1"/>
+            </a:solidFill>
+            <a:ln>
+              <a:noFill/>
+            </a:ln>
+          </p:spPr>
+          <p:style>
+            <a:lnRef idx="2">
+              <a:schemeClr val="accent1">
+                <a:shade val="50000"/>
+              </a:schemeClr>
+            </a:lnRef>
+            <a:fillRef idx="1">
+              <a:schemeClr val="accent1"/>
+            </a:fillRef>
+            <a:effectRef idx="0">
+              <a:schemeClr val="accent1"/>
+            </a:effectRef>
+            <a:fontRef idx="minor">
+              <a:schemeClr val="lt1"/>
+            </a:fontRef>
+          </p:style>
+        </p:sp>
+      </p:grpSp>
+      <p:sp useBgFill="1">
+        <p:nvSpPr>
+          <p:cNvPr id="67" name="Rectangle 33">
+            <a:extLst>
+              <a:ext uri="{FF2B5EF4-FFF2-40B4-BE49-F238E27FC236}">
+                <a16:creationId xmlns:a16="http://schemas.microsoft.com/office/drawing/2014/main" id="{62704ED4-17AD-4155-82BF-349125232CE9}"/>
               </a:ext>
             </a:extLst>
           </p:cNvPr>
           <p:cNvSpPr>
-            <a:spLocks noGrp="1"/>
+            <a:spLocks noGrp="1" noRot="1" noChangeAspect="1" noMove="1" noResize="1" noEditPoints="1" noAdjustHandles="1" noChangeArrowheads="1" noChangeShapeType="1" noTextEdit="1"/>
           </p:cNvSpPr>
           <p:nvPr>
-            <p:ph type="title"/>
+            <p:extLst>
+              <p:ext uri="{386F3935-93C4-4BCD-93E2-E3B085C9AB24}">
+                <p16:designElem xmlns:p16="http://schemas.microsoft.com/office/powerpoint/2015/main" val="1"/>
+              </p:ext>
+            </p:extLst>
           </p:nvPr>
         </p:nvSpPr>
-        <p:spPr/>
+        <p:spPr>
+          <a:xfrm>
+            <a:off x="0" y="0"/>
+            <a:ext cx="12192000" cy="6869208"/>
+          </a:xfrm>
+          <a:prstGeom prst="rect">
+            <a:avLst/>
+          </a:prstGeom>
+          <a:ln>
+            <a:noFill/>
+          </a:ln>
+        </p:spPr>
+        <p:style>
+          <a:lnRef idx="2">
+            <a:schemeClr val="accent1">
+              <a:shade val="50000"/>
+            </a:schemeClr>
+          </a:lnRef>
+          <a:fillRef idx="1">
+            <a:schemeClr val="accent1"/>
+          </a:fillRef>
+          <a:effectRef idx="0">
+            <a:schemeClr val="accent1"/>
+          </a:effectRef>
+          <a:fontRef idx="minor">
+            <a:schemeClr val="lt1"/>
+          </a:fontRef>
+        </p:style>
         <p:txBody>
-          <a:bodyPr/>
+          <a:bodyPr rtlCol="0" anchor="ctr"/>
           <a:lstStyle/>
           <a:p>
+            <a:pPr algn="ctr"/>
+            <a:endParaRPr lang="en-US"/>
+          </a:p>
+        </p:txBody>
+      </p:sp>
+      <p:grpSp>
+        <p:nvGrpSpPr>
+          <p:cNvPr id="68" name="Group 35">
+            <a:extLst>
+              <a:ext uri="{FF2B5EF4-FFF2-40B4-BE49-F238E27FC236}">
+                <a16:creationId xmlns:a16="http://schemas.microsoft.com/office/drawing/2014/main" id="{94030ADA-F758-4871-82A9-A900D3A1CF27}"/>
+              </a:ext>
+            </a:extLst>
+          </p:cNvPr>
+          <p:cNvGrpSpPr>
+            <a:grpSpLocks noGrp="1" noUngrp="1" noRot="1" noChangeAspect="1" noMove="1" noResize="1"/>
+          </p:cNvGrpSpPr>
+          <p:nvPr>
+            <p:extLst>
+              <p:ext uri="{386F3935-93C4-4BCD-93E2-E3B085C9AB24}">
+                <p16:designElem xmlns:p16="http://schemas.microsoft.com/office/powerpoint/2015/main" val="1"/>
+              </p:ext>
+            </p:extLst>
+          </p:nvPr>
+        </p:nvGrpSpPr>
+        <p:grpSpPr>
+          <a:xfrm>
+            <a:off x="-329674" y="-59376"/>
+            <a:ext cx="12515851" cy="6923798"/>
+            <a:chOff x="-329674" y="-51881"/>
+            <a:chExt cx="12515851" cy="6923798"/>
+          </a:xfrm>
+        </p:grpSpPr>
+        <p:sp>
+          <p:nvSpPr>
+            <p:cNvPr id="37" name="Freeform 5">
+              <a:extLst>
+                <a:ext uri="{FF2B5EF4-FFF2-40B4-BE49-F238E27FC236}">
+                  <a16:creationId xmlns:a16="http://schemas.microsoft.com/office/drawing/2014/main" id="{C03A5D77-B569-4446-A13F-5F2B66B8950E}"/>
+                </a:ext>
+              </a:extLst>
+            </p:cNvPr>
+            <p:cNvSpPr/>
+            <p:nvPr>
+              <p:extLst>
+                <p:ext uri="{386F3935-93C4-4BCD-93E2-E3B085C9AB24}">
+                  <p16:designElem xmlns:p16="http://schemas.microsoft.com/office/powerpoint/2015/main" val="1"/>
+                </p:ext>
+              </p:extLst>
+            </p:nvPr>
+          </p:nvSpPr>
+          <p:spPr bwMode="auto">
+            <a:xfrm>
+              <a:off x="-329674" y="1298404"/>
+              <a:ext cx="9702800" cy="5573512"/>
+            </a:xfrm>
+            <a:custGeom>
+              <a:avLst/>
+              <a:gdLst/>
+              <a:ahLst/>
+              <a:cxnLst/>
+              <a:rect l="0" t="0" r="r" b="b"/>
+              <a:pathLst>
+                <a:path w="2038" h="1169">
+                  <a:moveTo>
+                    <a:pt x="1752" y="1169"/>
+                  </a:moveTo>
+                  <a:cubicBezTo>
+                    <a:pt x="2038" y="928"/>
+                    <a:pt x="1673" y="513"/>
+                    <a:pt x="1487" y="334"/>
+                  </a:cubicBezTo>
+                  <a:cubicBezTo>
+                    <a:pt x="1316" y="170"/>
+                    <a:pt x="1099" y="43"/>
+                    <a:pt x="860" y="22"/>
+                  </a:cubicBezTo>
+                  <a:cubicBezTo>
+                    <a:pt x="621" y="0"/>
+                    <a:pt x="341" y="128"/>
+                    <a:pt x="199" y="318"/>
+                  </a:cubicBezTo>
+                  <a:cubicBezTo>
+                    <a:pt x="0" y="586"/>
+                    <a:pt x="184" y="965"/>
+                    <a:pt x="399" y="1165"/>
+                  </a:cubicBezTo>
+                </a:path>
+              </a:pathLst>
+            </a:custGeom>
+            <a:noFill/>
+            <a:ln w="9525" cap="flat">
+              <a:solidFill>
+                <a:schemeClr val="tx1">
+                  <a:alpha val="10000"/>
+                </a:schemeClr>
+              </a:solidFill>
+              <a:prstDash val="solid"/>
+              <a:miter lim="800000"/>
+              <a:headEnd/>
+              <a:tailEnd/>
+            </a:ln>
+            <a:extLst>
+              <a:ext uri="{909E8E84-426E-40DD-AFC4-6F175D3DCCD1}">
+                <a14:hiddenFill xmlns:a14="http://schemas.microsoft.com/office/drawing/2010/main">
+                  <a:solidFill>
+                    <a:srgbClr val="FFFFFF"/>
+                  </a:solidFill>
+                </a14:hiddenFill>
+              </a:ext>
+            </a:extLst>
+          </p:spPr>
+        </p:sp>
+        <p:sp>
+          <p:nvSpPr>
+            <p:cNvPr id="38" name="Freeform 6">
+              <a:extLst>
+                <a:ext uri="{FF2B5EF4-FFF2-40B4-BE49-F238E27FC236}">
+                  <a16:creationId xmlns:a16="http://schemas.microsoft.com/office/drawing/2014/main" id="{1910AFDB-600F-419E-B8A2-C910C91CC16A}"/>
+                </a:ext>
+              </a:extLst>
+            </p:cNvPr>
+            <p:cNvSpPr/>
+            <p:nvPr>
+              <p:extLst>
+                <p:ext uri="{386F3935-93C4-4BCD-93E2-E3B085C9AB24}">
+                  <p16:designElem xmlns:p16="http://schemas.microsoft.com/office/powerpoint/2015/main" val="1"/>
+                </p:ext>
+              </p:extLst>
+            </p:nvPr>
+          </p:nvSpPr>
+          <p:spPr bwMode="auto">
+            <a:xfrm>
+              <a:off x="670451" y="2018236"/>
+              <a:ext cx="7373938" cy="4848892"/>
+            </a:xfrm>
+            <a:custGeom>
+              <a:avLst/>
+              <a:gdLst/>
+              <a:ahLst/>
+              <a:cxnLst/>
+              <a:rect l="0" t="0" r="r" b="b"/>
+              <a:pathLst>
+                <a:path w="1549" h="1017">
+                  <a:moveTo>
+                    <a:pt x="1025" y="1016"/>
+                  </a:moveTo>
+                  <a:cubicBezTo>
+                    <a:pt x="1223" y="971"/>
+                    <a:pt x="1549" y="857"/>
+                    <a:pt x="1443" y="592"/>
+                  </a:cubicBezTo>
+                  <a:cubicBezTo>
+                    <a:pt x="1344" y="344"/>
+                    <a:pt x="1041" y="111"/>
+                    <a:pt x="782" y="53"/>
+                  </a:cubicBezTo>
+                  <a:cubicBezTo>
+                    <a:pt x="545" y="0"/>
+                    <a:pt x="275" y="117"/>
+                    <a:pt x="150" y="329"/>
+                  </a:cubicBezTo>
+                  <a:cubicBezTo>
+                    <a:pt x="0" y="584"/>
+                    <a:pt x="243" y="911"/>
+                    <a:pt x="477" y="1017"/>
+                  </a:cubicBezTo>
+                </a:path>
+              </a:pathLst>
+            </a:custGeom>
+            <a:noFill/>
+            <a:ln w="9525" cap="flat">
+              <a:solidFill>
+                <a:schemeClr val="tx1">
+                  <a:alpha val="10000"/>
+                </a:schemeClr>
+              </a:solidFill>
+              <a:prstDash val="solid"/>
+              <a:miter lim="800000"/>
+              <a:headEnd/>
+              <a:tailEnd/>
+            </a:ln>
+            <a:extLst>
+              <a:ext uri="{909E8E84-426E-40DD-AFC4-6F175D3DCCD1}">
+                <a14:hiddenFill xmlns:a14="http://schemas.microsoft.com/office/drawing/2010/main">
+                  <a:solidFill>
+                    <a:srgbClr val="FFFFFF"/>
+                  </a:solidFill>
+                </a14:hiddenFill>
+              </a:ext>
+            </a:extLst>
+          </p:spPr>
+        </p:sp>
+        <p:sp>
+          <p:nvSpPr>
+            <p:cNvPr id="39" name="Freeform 7">
+              <a:extLst>
+                <a:ext uri="{FF2B5EF4-FFF2-40B4-BE49-F238E27FC236}">
+                  <a16:creationId xmlns:a16="http://schemas.microsoft.com/office/drawing/2014/main" id="{8BA9642D-E707-4E5C-AD56-5B4201F77F7B}"/>
+                </a:ext>
+              </a:extLst>
+            </p:cNvPr>
+            <p:cNvSpPr/>
+            <p:nvPr>
+              <p:extLst>
+                <p:ext uri="{386F3935-93C4-4BCD-93E2-E3B085C9AB24}">
+                  <p16:designElem xmlns:p16="http://schemas.microsoft.com/office/powerpoint/2015/main" val="1"/>
+                </p:ext>
+              </p:extLst>
+            </p:nvPr>
+          </p:nvSpPr>
+          <p:spPr bwMode="auto">
+            <a:xfrm>
+              <a:off x="251351" y="1788400"/>
+              <a:ext cx="8035925" cy="5083516"/>
+            </a:xfrm>
+            <a:custGeom>
+              <a:avLst/>
+              <a:gdLst/>
+              <a:ahLst/>
+              <a:cxnLst/>
+              <a:rect l="0" t="0" r="r" b="b"/>
+              <a:pathLst>
+                <a:path w="1688" h="1066">
+                  <a:moveTo>
+                    <a:pt x="1302" y="1066"/>
+                  </a:moveTo>
+                  <a:cubicBezTo>
+                    <a:pt x="1416" y="1024"/>
+                    <a:pt x="1551" y="962"/>
+                    <a:pt x="1613" y="850"/>
+                  </a:cubicBezTo>
+                  <a:cubicBezTo>
+                    <a:pt x="1688" y="715"/>
+                    <a:pt x="1606" y="575"/>
+                    <a:pt x="1517" y="471"/>
+                  </a:cubicBezTo>
+                  <a:cubicBezTo>
+                    <a:pt x="1336" y="258"/>
+                    <a:pt x="1084" y="62"/>
+                    <a:pt x="798" y="28"/>
+                  </a:cubicBezTo>
+                  <a:cubicBezTo>
+                    <a:pt x="559" y="0"/>
+                    <a:pt x="317" y="138"/>
+                    <a:pt x="181" y="333"/>
+                  </a:cubicBezTo>
+                  <a:cubicBezTo>
+                    <a:pt x="0" y="592"/>
+                    <a:pt x="191" y="907"/>
+                    <a:pt x="420" y="1066"/>
+                  </a:cubicBezTo>
+                </a:path>
+              </a:pathLst>
+            </a:custGeom>
+            <a:noFill/>
+            <a:ln w="9525" cap="flat">
+              <a:solidFill>
+                <a:schemeClr val="tx1">
+                  <a:alpha val="10000"/>
+                </a:schemeClr>
+              </a:solidFill>
+              <a:prstDash val="dash"/>
+              <a:miter lim="800000"/>
+              <a:headEnd/>
+              <a:tailEnd/>
+            </a:ln>
+            <a:extLst>
+              <a:ext uri="{909E8E84-426E-40DD-AFC4-6F175D3DCCD1}">
+                <a14:hiddenFill xmlns:a14="http://schemas.microsoft.com/office/drawing/2010/main">
+                  <a:solidFill>
+                    <a:srgbClr val="FFFFFF"/>
+                  </a:solidFill>
+                </a14:hiddenFill>
+              </a:ext>
+            </a:extLst>
+          </p:spPr>
+        </p:sp>
+        <p:sp>
+          <p:nvSpPr>
+            <p:cNvPr id="40" name="Freeform 8">
+              <a:extLst>
+                <a:ext uri="{FF2B5EF4-FFF2-40B4-BE49-F238E27FC236}">
+                  <a16:creationId xmlns:a16="http://schemas.microsoft.com/office/drawing/2014/main" id="{6BE43368-BE27-4B0F-996B-F8020ECC8F4F}"/>
+                </a:ext>
+              </a:extLst>
+            </p:cNvPr>
+            <p:cNvSpPr/>
+            <p:nvPr>
+              <p:extLst>
+                <p:ext uri="{386F3935-93C4-4BCD-93E2-E3B085C9AB24}">
+                  <p16:designElem xmlns:p16="http://schemas.microsoft.com/office/powerpoint/2015/main" val="1"/>
+                </p:ext>
+              </p:extLst>
+            </p:nvPr>
+          </p:nvSpPr>
+          <p:spPr bwMode="auto">
+            <a:xfrm>
+              <a:off x="-1061" y="549842"/>
+              <a:ext cx="10334625" cy="6322075"/>
+            </a:xfrm>
+            <a:custGeom>
+              <a:avLst/>
+              <a:gdLst/>
+              <a:ahLst/>
+              <a:cxnLst/>
+              <a:rect l="0" t="0" r="r" b="b"/>
+              <a:pathLst>
+                <a:path w="2171" h="1326">
+                  <a:moveTo>
+                    <a:pt x="1873" y="1326"/>
+                  </a:moveTo>
+                  <a:cubicBezTo>
+                    <a:pt x="2171" y="1045"/>
+                    <a:pt x="1825" y="678"/>
+                    <a:pt x="1609" y="473"/>
+                  </a:cubicBezTo>
+                  <a:cubicBezTo>
+                    <a:pt x="1406" y="281"/>
+                    <a:pt x="1159" y="116"/>
+                    <a:pt x="880" y="63"/>
+                  </a:cubicBezTo>
+                  <a:cubicBezTo>
+                    <a:pt x="545" y="0"/>
+                    <a:pt x="214" y="161"/>
+                    <a:pt x="0" y="423"/>
+                  </a:cubicBezTo>
+                </a:path>
+              </a:pathLst>
+            </a:custGeom>
+            <a:noFill/>
+            <a:ln w="9525" cap="flat">
+              <a:solidFill>
+                <a:schemeClr val="tx1">
+                  <a:alpha val="10000"/>
+                </a:schemeClr>
+              </a:solidFill>
+              <a:prstDash val="solid"/>
+              <a:miter lim="800000"/>
+              <a:headEnd/>
+              <a:tailEnd/>
+            </a:ln>
+            <a:extLst>
+              <a:ext uri="{909E8E84-426E-40DD-AFC4-6F175D3DCCD1}">
+                <a14:hiddenFill xmlns:a14="http://schemas.microsoft.com/office/drawing/2010/main">
+                  <a:solidFill>
+                    <a:srgbClr val="FFFFFF"/>
+                  </a:solidFill>
+                </a14:hiddenFill>
+              </a:ext>
+            </a:extLst>
+          </p:spPr>
+        </p:sp>
+        <p:sp>
+          <p:nvSpPr>
+            <p:cNvPr id="41" name="Freeform 9">
+              <a:extLst>
+                <a:ext uri="{FF2B5EF4-FFF2-40B4-BE49-F238E27FC236}">
+                  <a16:creationId xmlns:a16="http://schemas.microsoft.com/office/drawing/2014/main" id="{1C2AFC90-DCD5-4CC4-B572-09469E892737}"/>
+                </a:ext>
+              </a:extLst>
+            </p:cNvPr>
+            <p:cNvSpPr/>
+            <p:nvPr>
+              <p:extLst>
+                <p:ext uri="{386F3935-93C4-4BCD-93E2-E3B085C9AB24}">
+                  <p16:designElem xmlns:p16="http://schemas.microsoft.com/office/powerpoint/2015/main" val="1"/>
+                </p:ext>
+              </p:extLst>
+            </p:nvPr>
+          </p:nvSpPr>
+          <p:spPr bwMode="auto">
+            <a:xfrm>
+              <a:off x="3701" y="6186246"/>
+              <a:ext cx="504825" cy="681527"/>
+            </a:xfrm>
+            <a:custGeom>
+              <a:avLst/>
+              <a:gdLst/>
+              <a:ahLst/>
+              <a:cxnLst/>
+              <a:rect l="0" t="0" r="r" b="b"/>
+              <a:pathLst>
+                <a:path w="106" h="143">
+                  <a:moveTo>
+                    <a:pt x="0" y="0"/>
+                  </a:moveTo>
+                  <a:cubicBezTo>
+                    <a:pt x="35" y="54"/>
+                    <a:pt x="70" y="101"/>
+                    <a:pt x="106" y="143"/>
+                  </a:cubicBezTo>
+                </a:path>
+              </a:pathLst>
+            </a:custGeom>
+            <a:noFill/>
+            <a:ln w="4763" cap="flat">
+              <a:solidFill>
+                <a:schemeClr val="tx1">
+                  <a:alpha val="10000"/>
+                </a:schemeClr>
+              </a:solidFill>
+              <a:prstDash val="solid"/>
+              <a:miter lim="800000"/>
+              <a:headEnd/>
+              <a:tailEnd/>
+            </a:ln>
+            <a:extLst>
+              <a:ext uri="{909E8E84-426E-40DD-AFC4-6F175D3DCCD1}">
+                <a14:hiddenFill xmlns:a14="http://schemas.microsoft.com/office/drawing/2010/main">
+                  <a:solidFill>
+                    <a:srgbClr val="FFFFFF"/>
+                  </a:solidFill>
+                </a14:hiddenFill>
+              </a:ext>
+            </a:extLst>
+          </p:spPr>
+        </p:sp>
+        <p:sp>
+          <p:nvSpPr>
+            <p:cNvPr id="42" name="Freeform 10">
+              <a:extLst>
+                <a:ext uri="{FF2B5EF4-FFF2-40B4-BE49-F238E27FC236}">
+                  <a16:creationId xmlns:a16="http://schemas.microsoft.com/office/drawing/2014/main" id="{EEC73C1F-7C9B-41BF-A454-152B90AFF444}"/>
+                </a:ext>
+              </a:extLst>
+            </p:cNvPr>
+            <p:cNvSpPr/>
+            <p:nvPr>
+              <p:extLst>
+                <p:ext uri="{386F3935-93C4-4BCD-93E2-E3B085C9AB24}">
+                  <p16:designElem xmlns:p16="http://schemas.microsoft.com/office/powerpoint/2015/main" val="1"/>
+                </p:ext>
+              </p:extLst>
+            </p:nvPr>
+          </p:nvSpPr>
+          <p:spPr bwMode="auto">
+            <a:xfrm>
+              <a:off x="-1061" y="-51881"/>
+              <a:ext cx="11091863" cy="6923796"/>
+            </a:xfrm>
+            <a:custGeom>
+              <a:avLst/>
+              <a:gdLst/>
+              <a:ahLst/>
+              <a:cxnLst/>
+              <a:rect l="0" t="0" r="r" b="b"/>
+              <a:pathLst>
+                <a:path w="2330" h="1452">
+                  <a:moveTo>
+                    <a:pt x="2046" y="1452"/>
+                  </a:moveTo>
+                  <a:cubicBezTo>
+                    <a:pt x="2330" y="1153"/>
+                    <a:pt x="2049" y="821"/>
+                    <a:pt x="1813" y="601"/>
+                  </a:cubicBezTo>
+                  <a:cubicBezTo>
+                    <a:pt x="1569" y="375"/>
+                    <a:pt x="1282" y="179"/>
+                    <a:pt x="956" y="97"/>
+                  </a:cubicBezTo>
+                  <a:cubicBezTo>
+                    <a:pt x="572" y="0"/>
+                    <a:pt x="292" y="101"/>
+                    <a:pt x="0" y="366"/>
+                  </a:cubicBezTo>
+                </a:path>
+              </a:pathLst>
+            </a:custGeom>
+            <a:noFill/>
+            <a:ln w="9525" cap="flat">
+              <a:solidFill>
+                <a:schemeClr val="tx1">
+                  <a:alpha val="10000"/>
+                </a:schemeClr>
+              </a:solidFill>
+              <a:prstDash val="solid"/>
+              <a:miter lim="800000"/>
+              <a:headEnd/>
+              <a:tailEnd/>
+            </a:ln>
+            <a:extLst>
+              <a:ext uri="{909E8E84-426E-40DD-AFC4-6F175D3DCCD1}">
+                <a14:hiddenFill xmlns:a14="http://schemas.microsoft.com/office/drawing/2010/main">
+                  <a:solidFill>
+                    <a:srgbClr val="FFFFFF"/>
+                  </a:solidFill>
+                </a14:hiddenFill>
+              </a:ext>
+            </a:extLst>
+          </p:spPr>
+        </p:sp>
+        <p:sp>
+          <p:nvSpPr>
+            <p:cNvPr id="43" name="Freeform 11">
+              <a:extLst>
+                <a:ext uri="{FF2B5EF4-FFF2-40B4-BE49-F238E27FC236}">
+                  <a16:creationId xmlns:a16="http://schemas.microsoft.com/office/drawing/2014/main" id="{B9387A9D-115C-4CC5-9107-97827EFF87DC}"/>
+                </a:ext>
+              </a:extLst>
+            </p:cNvPr>
+            <p:cNvSpPr/>
+            <p:nvPr>
+              <p:extLst>
+                <p:ext uri="{386F3935-93C4-4BCD-93E2-E3B085C9AB24}">
+                  <p16:designElem xmlns:p16="http://schemas.microsoft.com/office/powerpoint/2015/main" val="1"/>
+                </p:ext>
+              </p:extLst>
+            </p:nvPr>
+          </p:nvSpPr>
+          <p:spPr bwMode="auto">
+            <a:xfrm>
+              <a:off x="5426601" y="5579"/>
+              <a:ext cx="5788025" cy="6847184"/>
+            </a:xfrm>
+            <a:custGeom>
+              <a:avLst/>
+              <a:gdLst/>
+              <a:ahLst/>
+              <a:cxnLst/>
+              <a:rect l="0" t="0" r="r" b="b"/>
+              <a:pathLst>
+                <a:path w="1216" h="1436">
+                  <a:moveTo>
+                    <a:pt x="1094" y="1436"/>
+                  </a:moveTo>
+                  <a:cubicBezTo>
+                    <a:pt x="1216" y="1114"/>
+                    <a:pt x="904" y="770"/>
+                    <a:pt x="709" y="551"/>
+                  </a:cubicBezTo>
+                  <a:cubicBezTo>
+                    <a:pt x="509" y="327"/>
+                    <a:pt x="274" y="127"/>
+                    <a:pt x="0" y="0"/>
+                  </a:cubicBezTo>
+                </a:path>
+              </a:pathLst>
+            </a:custGeom>
+            <a:noFill/>
+            <a:ln w="9525" cap="flat">
+              <a:solidFill>
+                <a:schemeClr val="tx1">
+                  <a:alpha val="10000"/>
+                </a:schemeClr>
+              </a:solidFill>
+              <a:prstDash val="solid"/>
+              <a:miter lim="800000"/>
+              <a:headEnd/>
+              <a:tailEnd/>
+            </a:ln>
+            <a:extLst>
+              <a:ext uri="{909E8E84-426E-40DD-AFC4-6F175D3DCCD1}">
+                <a14:hiddenFill xmlns:a14="http://schemas.microsoft.com/office/drawing/2010/main">
+                  <a:solidFill>
+                    <a:srgbClr val="FFFFFF"/>
+                  </a:solidFill>
+                </a14:hiddenFill>
+              </a:ext>
+            </a:extLst>
+          </p:spPr>
+        </p:sp>
+        <p:sp>
+          <p:nvSpPr>
+            <p:cNvPr id="44" name="Freeform 12">
+              <a:extLst>
+                <a:ext uri="{FF2B5EF4-FFF2-40B4-BE49-F238E27FC236}">
+                  <a16:creationId xmlns:a16="http://schemas.microsoft.com/office/drawing/2014/main" id="{69CF2257-1227-45F2-8310-EF03857E0820}"/>
+                </a:ext>
+              </a:extLst>
+            </p:cNvPr>
+            <p:cNvSpPr/>
+            <p:nvPr>
+              <p:extLst>
+                <p:ext uri="{386F3935-93C4-4BCD-93E2-E3B085C9AB24}">
+                  <p16:designElem xmlns:p16="http://schemas.microsoft.com/office/powerpoint/2015/main" val="1"/>
+                </p:ext>
+              </p:extLst>
+            </p:nvPr>
+          </p:nvSpPr>
+          <p:spPr bwMode="auto">
+            <a:xfrm>
+              <a:off x="-1061" y="5579"/>
+              <a:ext cx="1057275" cy="614491"/>
+            </a:xfrm>
+            <a:custGeom>
+              <a:avLst/>
+              <a:gdLst/>
+              <a:ahLst/>
+              <a:cxnLst/>
+              <a:rect l="0" t="0" r="r" b="b"/>
+              <a:pathLst>
+                <a:path w="222" h="129">
+                  <a:moveTo>
+                    <a:pt x="222" y="0"/>
+                  </a:moveTo>
+                  <a:cubicBezTo>
+                    <a:pt x="152" y="35"/>
+                    <a:pt x="76" y="78"/>
+                    <a:pt x="0" y="129"/>
+                  </a:cubicBezTo>
+                </a:path>
+              </a:pathLst>
+            </a:custGeom>
+            <a:noFill/>
+            <a:ln w="9525" cap="flat">
+              <a:solidFill>
+                <a:schemeClr val="tx1">
+                  <a:alpha val="10000"/>
+                </a:schemeClr>
+              </a:solidFill>
+              <a:prstDash val="solid"/>
+              <a:miter lim="800000"/>
+              <a:headEnd/>
+              <a:tailEnd/>
+            </a:ln>
+            <a:extLst>
+              <a:ext uri="{909E8E84-426E-40DD-AFC4-6F175D3DCCD1}">
+                <a14:hiddenFill xmlns:a14="http://schemas.microsoft.com/office/drawing/2010/main">
+                  <a:solidFill>
+                    <a:srgbClr val="FFFFFF"/>
+                  </a:solidFill>
+                </a14:hiddenFill>
+              </a:ext>
+            </a:extLst>
+          </p:spPr>
+        </p:sp>
+        <p:sp>
+          <p:nvSpPr>
+            <p:cNvPr id="45" name="Freeform 13">
+              <a:extLst>
+                <a:ext uri="{FF2B5EF4-FFF2-40B4-BE49-F238E27FC236}">
+                  <a16:creationId xmlns:a16="http://schemas.microsoft.com/office/drawing/2014/main" id="{914D598B-12C8-4050-872B-AB3C4790AB40}"/>
+                </a:ext>
+              </a:extLst>
+            </p:cNvPr>
+            <p:cNvSpPr/>
+            <p:nvPr>
+              <p:extLst>
+                <p:ext uri="{386F3935-93C4-4BCD-93E2-E3B085C9AB24}">
+                  <p16:designElem xmlns:p16="http://schemas.microsoft.com/office/powerpoint/2015/main" val="1"/>
+                </p:ext>
+              </p:extLst>
+            </p:nvPr>
+          </p:nvSpPr>
+          <p:spPr bwMode="auto">
+            <a:xfrm>
+              <a:off x="5821889" y="5579"/>
+              <a:ext cx="5588000" cy="6866337"/>
+            </a:xfrm>
+            <a:custGeom>
+              <a:avLst/>
+              <a:gdLst/>
+              <a:ahLst/>
+              <a:cxnLst/>
+              <a:rect l="0" t="0" r="r" b="b"/>
+              <a:pathLst>
+                <a:path w="1174" h="1440">
+                  <a:moveTo>
+                    <a:pt x="1067" y="1440"/>
+                  </a:moveTo>
+                  <a:cubicBezTo>
+                    <a:pt x="1174" y="1124"/>
+                    <a:pt x="887" y="797"/>
+                    <a:pt x="698" y="577"/>
+                  </a:cubicBezTo>
+                  <a:cubicBezTo>
+                    <a:pt x="500" y="348"/>
+                    <a:pt x="270" y="141"/>
+                    <a:pt x="0" y="0"/>
+                  </a:cubicBezTo>
+                </a:path>
+              </a:pathLst>
+            </a:custGeom>
+            <a:noFill/>
+            <a:ln w="9525" cap="flat">
+              <a:solidFill>
+                <a:schemeClr val="tx1">
+                  <a:alpha val="10000"/>
+                </a:schemeClr>
+              </a:solidFill>
+              <a:prstDash val="dash"/>
+              <a:miter lim="800000"/>
+              <a:headEnd/>
+              <a:tailEnd/>
+            </a:ln>
+            <a:extLst>
+              <a:ext uri="{909E8E84-426E-40DD-AFC4-6F175D3DCCD1}">
+                <a14:hiddenFill xmlns:a14="http://schemas.microsoft.com/office/drawing/2010/main">
+                  <a:solidFill>
+                    <a:srgbClr val="FFFFFF"/>
+                  </a:solidFill>
+                </a14:hiddenFill>
+              </a:ext>
+            </a:extLst>
+          </p:spPr>
+        </p:sp>
+        <p:sp>
+          <p:nvSpPr>
+            <p:cNvPr id="46" name="Freeform 14">
+              <a:extLst>
+                <a:ext uri="{FF2B5EF4-FFF2-40B4-BE49-F238E27FC236}">
+                  <a16:creationId xmlns:a16="http://schemas.microsoft.com/office/drawing/2014/main" id="{43441426-0436-4C62-93CB-7B2312119496}"/>
+                </a:ext>
+              </a:extLst>
+            </p:cNvPr>
+            <p:cNvSpPr/>
+            <p:nvPr>
+              <p:extLst>
+                <p:ext uri="{386F3935-93C4-4BCD-93E2-E3B085C9AB24}">
+                  <p16:designElem xmlns:p16="http://schemas.microsoft.com/office/powerpoint/2015/main" val="1"/>
+                </p:ext>
+              </p:extLst>
+            </p:nvPr>
+          </p:nvSpPr>
+          <p:spPr bwMode="auto">
+            <a:xfrm>
+              <a:off x="3701" y="790"/>
+              <a:ext cx="595313" cy="352734"/>
+            </a:xfrm>
+            <a:custGeom>
+              <a:avLst/>
+              <a:gdLst/>
+              <a:ahLst/>
+              <a:cxnLst/>
+              <a:rect l="0" t="0" r="r" b="b"/>
+              <a:pathLst>
+                <a:path w="125" h="74">
+                  <a:moveTo>
+                    <a:pt x="125" y="0"/>
+                  </a:moveTo>
+                  <a:cubicBezTo>
+                    <a:pt x="85" y="22"/>
+                    <a:pt x="43" y="47"/>
+                    <a:pt x="0" y="74"/>
+                  </a:cubicBezTo>
+                </a:path>
+              </a:pathLst>
+            </a:custGeom>
+            <a:noFill/>
+            <a:ln w="9525" cap="flat">
+              <a:solidFill>
+                <a:schemeClr val="tx1">
+                  <a:alpha val="10000"/>
+                </a:schemeClr>
+              </a:solidFill>
+              <a:prstDash val="dash"/>
+              <a:miter lim="800000"/>
+              <a:headEnd/>
+              <a:tailEnd/>
+            </a:ln>
+            <a:extLst>
+              <a:ext uri="{909E8E84-426E-40DD-AFC4-6F175D3DCCD1}">
+                <a14:hiddenFill xmlns:a14="http://schemas.microsoft.com/office/drawing/2010/main">
+                  <a:solidFill>
+                    <a:srgbClr val="FFFFFF"/>
+                  </a:solidFill>
+                </a14:hiddenFill>
+              </a:ext>
+            </a:extLst>
+          </p:spPr>
+        </p:sp>
+        <p:sp>
+          <p:nvSpPr>
+            <p:cNvPr id="47" name="Freeform 15">
+              <a:extLst>
+                <a:ext uri="{FF2B5EF4-FFF2-40B4-BE49-F238E27FC236}">
+                  <a16:creationId xmlns:a16="http://schemas.microsoft.com/office/drawing/2014/main" id="{8174AF5F-E0DA-457B-9C6D-B6793C36AF2D}"/>
+                </a:ext>
+              </a:extLst>
+            </p:cNvPr>
+            <p:cNvSpPr/>
+            <p:nvPr>
+              <p:extLst>
+                <p:ext uri="{386F3935-93C4-4BCD-93E2-E3B085C9AB24}">
+                  <p16:designElem xmlns:p16="http://schemas.microsoft.com/office/powerpoint/2015/main" val="1"/>
+                </p:ext>
+              </p:extLst>
+            </p:nvPr>
+          </p:nvSpPr>
+          <p:spPr bwMode="auto">
+            <a:xfrm>
+              <a:off x="6012389" y="5579"/>
+              <a:ext cx="5497513" cy="6866337"/>
+            </a:xfrm>
+            <a:custGeom>
+              <a:avLst/>
+              <a:gdLst/>
+              <a:ahLst/>
+              <a:cxnLst/>
+              <a:rect l="0" t="0" r="r" b="b"/>
+              <a:pathLst>
+                <a:path w="1155" h="1440">
+                  <a:moveTo>
+                    <a:pt x="1056" y="1440"/>
+                  </a:moveTo>
+                  <a:cubicBezTo>
+                    <a:pt x="1155" y="1123"/>
+                    <a:pt x="875" y="801"/>
+                    <a:pt x="686" y="580"/>
+                  </a:cubicBezTo>
+                  <a:cubicBezTo>
+                    <a:pt x="491" y="352"/>
+                    <a:pt x="264" y="145"/>
+                    <a:pt x="0" y="0"/>
+                  </a:cubicBezTo>
+                </a:path>
+              </a:pathLst>
+            </a:custGeom>
+            <a:noFill/>
+            <a:ln w="12700" cap="flat">
+              <a:solidFill>
+                <a:schemeClr val="tx1">
+                  <a:alpha val="10000"/>
+                </a:schemeClr>
+              </a:solidFill>
+              <a:prstDash val="dashDot"/>
+              <a:miter lim="800000"/>
+              <a:headEnd/>
+              <a:tailEnd/>
+            </a:ln>
+            <a:extLst>
+              <a:ext uri="{909E8E84-426E-40DD-AFC4-6F175D3DCCD1}">
+                <a14:hiddenFill xmlns:a14="http://schemas.microsoft.com/office/drawing/2010/main">
+                  <a:solidFill>
+                    <a:srgbClr val="FFFFFF"/>
+                  </a:solidFill>
+                </a14:hiddenFill>
+              </a:ext>
+            </a:extLst>
+          </p:spPr>
+        </p:sp>
+        <p:sp>
+          <p:nvSpPr>
+            <p:cNvPr id="48" name="Freeform 16">
+              <a:extLst>
+                <a:ext uri="{FF2B5EF4-FFF2-40B4-BE49-F238E27FC236}">
+                  <a16:creationId xmlns:a16="http://schemas.microsoft.com/office/drawing/2014/main" id="{40D36E6D-6BFF-4FB5-9EEB-3A36B7956230}"/>
+                </a:ext>
+              </a:extLst>
+            </p:cNvPr>
+            <p:cNvSpPr/>
+            <p:nvPr>
+              <p:extLst>
+                <p:ext uri="{386F3935-93C4-4BCD-93E2-E3B085C9AB24}">
+                  <p16:designElem xmlns:p16="http://schemas.microsoft.com/office/powerpoint/2015/main" val="1"/>
+                </p:ext>
+              </p:extLst>
+            </p:nvPr>
+          </p:nvSpPr>
+          <p:spPr bwMode="auto">
+            <a:xfrm>
+              <a:off x="-1061" y="5579"/>
+              <a:ext cx="357188" cy="213875"/>
+            </a:xfrm>
+            <a:custGeom>
+              <a:avLst/>
+              <a:gdLst/>
+              <a:ahLst/>
+              <a:cxnLst/>
+              <a:rect l="0" t="0" r="r" b="b"/>
+              <a:pathLst>
+                <a:path w="75" h="45">
+                  <a:moveTo>
+                    <a:pt x="75" y="0"/>
+                  </a:moveTo>
+                  <a:cubicBezTo>
+                    <a:pt x="50" y="14"/>
+                    <a:pt x="25" y="29"/>
+                    <a:pt x="0" y="45"/>
+                  </a:cubicBezTo>
+                </a:path>
+              </a:pathLst>
+            </a:custGeom>
+            <a:noFill/>
+            <a:ln w="12700" cap="flat">
+              <a:solidFill>
+                <a:schemeClr val="tx1">
+                  <a:alpha val="10000"/>
+                </a:schemeClr>
+              </a:solidFill>
+              <a:prstDash val="dashDot"/>
+              <a:miter lim="800000"/>
+              <a:headEnd/>
+              <a:tailEnd/>
+            </a:ln>
+            <a:extLst>
+              <a:ext uri="{909E8E84-426E-40DD-AFC4-6F175D3DCCD1}">
+                <a14:hiddenFill xmlns:a14="http://schemas.microsoft.com/office/drawing/2010/main">
+                  <a:solidFill>
+                    <a:srgbClr val="FFFFFF"/>
+                  </a:solidFill>
+                </a14:hiddenFill>
+              </a:ext>
+            </a:extLst>
+          </p:spPr>
+        </p:sp>
+        <p:sp>
+          <p:nvSpPr>
+            <p:cNvPr id="49" name="Freeform 17">
+              <a:extLst>
+                <a:ext uri="{FF2B5EF4-FFF2-40B4-BE49-F238E27FC236}">
+                  <a16:creationId xmlns:a16="http://schemas.microsoft.com/office/drawing/2014/main" id="{5159A95D-574D-4341-8A5B-5EB05EF2CBBB}"/>
+                </a:ext>
+              </a:extLst>
+            </p:cNvPr>
+            <p:cNvSpPr/>
+            <p:nvPr>
+              <p:extLst>
+                <p:ext uri="{386F3935-93C4-4BCD-93E2-E3B085C9AB24}">
+                  <p16:designElem xmlns:p16="http://schemas.microsoft.com/office/powerpoint/2015/main" val="1"/>
+                </p:ext>
+              </p:extLst>
+            </p:nvPr>
+          </p:nvSpPr>
+          <p:spPr bwMode="auto">
+            <a:xfrm>
+              <a:off x="6210826" y="790"/>
+              <a:ext cx="5522913" cy="6871126"/>
+            </a:xfrm>
+            <a:custGeom>
+              <a:avLst/>
+              <a:gdLst/>
+              <a:ahLst/>
+              <a:cxnLst/>
+              <a:rect l="0" t="0" r="r" b="b"/>
+              <a:pathLst>
+                <a:path w="1160" h="1441">
+                  <a:moveTo>
+                    <a:pt x="1053" y="1441"/>
+                  </a:moveTo>
+                  <a:cubicBezTo>
+                    <a:pt x="1160" y="1129"/>
+                    <a:pt x="892" y="817"/>
+                    <a:pt x="705" y="599"/>
+                  </a:cubicBezTo>
+                  <a:cubicBezTo>
+                    <a:pt x="503" y="365"/>
+                    <a:pt x="270" y="152"/>
+                    <a:pt x="0" y="0"/>
+                  </a:cubicBezTo>
+                </a:path>
+              </a:pathLst>
+            </a:custGeom>
+            <a:noFill/>
+            <a:ln w="9525" cap="flat">
+              <a:solidFill>
+                <a:schemeClr val="tx1">
+                  <a:alpha val="10000"/>
+                </a:schemeClr>
+              </a:solidFill>
+              <a:prstDash val="solid"/>
+              <a:miter lim="800000"/>
+              <a:headEnd/>
+              <a:tailEnd/>
+            </a:ln>
+            <a:extLst>
+              <a:ext uri="{909E8E84-426E-40DD-AFC4-6F175D3DCCD1}">
+                <a14:hiddenFill xmlns:a14="http://schemas.microsoft.com/office/drawing/2010/main">
+                  <a:solidFill>
+                    <a:srgbClr val="FFFFFF"/>
+                  </a:solidFill>
+                </a14:hiddenFill>
+              </a:ext>
+            </a:extLst>
+          </p:spPr>
+        </p:sp>
+        <p:sp>
+          <p:nvSpPr>
+            <p:cNvPr id="50" name="Freeform 18">
+              <a:extLst>
+                <a:ext uri="{FF2B5EF4-FFF2-40B4-BE49-F238E27FC236}">
+                  <a16:creationId xmlns:a16="http://schemas.microsoft.com/office/drawing/2014/main" id="{CC2519B6-9E4D-48AA-8E1D-413BEEEEE68B}"/>
+                </a:ext>
+              </a:extLst>
+            </p:cNvPr>
+            <p:cNvSpPr/>
+            <p:nvPr>
+              <p:extLst>
+                <p:ext uri="{386F3935-93C4-4BCD-93E2-E3B085C9AB24}">
+                  <p16:designElem xmlns:p16="http://schemas.microsoft.com/office/powerpoint/2015/main" val="1"/>
+                </p:ext>
+              </p:extLst>
+            </p:nvPr>
+          </p:nvSpPr>
+          <p:spPr bwMode="auto">
+            <a:xfrm>
+              <a:off x="6463239" y="5579"/>
+              <a:ext cx="5413375" cy="6866337"/>
+            </a:xfrm>
+            <a:custGeom>
+              <a:avLst/>
+              <a:gdLst/>
+              <a:ahLst/>
+              <a:cxnLst/>
+              <a:rect l="0" t="0" r="r" b="b"/>
+              <a:pathLst>
+                <a:path w="1137" h="1440">
+                  <a:moveTo>
+                    <a:pt x="1040" y="1440"/>
+                  </a:moveTo>
+                  <a:cubicBezTo>
+                    <a:pt x="1137" y="1131"/>
+                    <a:pt x="883" y="828"/>
+                    <a:pt x="698" y="611"/>
+                  </a:cubicBezTo>
+                  <a:cubicBezTo>
+                    <a:pt x="498" y="375"/>
+                    <a:pt x="268" y="159"/>
+                    <a:pt x="0" y="0"/>
+                  </a:cubicBezTo>
+                </a:path>
+              </a:pathLst>
+            </a:custGeom>
+            <a:noFill/>
+            <a:ln w="9525" cap="flat">
+              <a:solidFill>
+                <a:schemeClr val="tx1">
+                  <a:alpha val="10000"/>
+                </a:schemeClr>
+              </a:solidFill>
+              <a:prstDash val="solid"/>
+              <a:miter lim="800000"/>
+              <a:headEnd/>
+              <a:tailEnd/>
+            </a:ln>
+            <a:extLst>
+              <a:ext uri="{909E8E84-426E-40DD-AFC4-6F175D3DCCD1}">
+                <a14:hiddenFill xmlns:a14="http://schemas.microsoft.com/office/drawing/2010/main">
+                  <a:solidFill>
+                    <a:srgbClr val="FFFFFF"/>
+                  </a:solidFill>
+                </a14:hiddenFill>
+              </a:ext>
+            </a:extLst>
+          </p:spPr>
+        </p:sp>
+        <p:sp>
+          <p:nvSpPr>
+            <p:cNvPr id="51" name="Freeform 19">
+              <a:extLst>
+                <a:ext uri="{FF2B5EF4-FFF2-40B4-BE49-F238E27FC236}">
+                  <a16:creationId xmlns:a16="http://schemas.microsoft.com/office/drawing/2014/main" id="{91EFD00E-D9BB-4F8F-9652-1514A200A5EC}"/>
+                </a:ext>
+              </a:extLst>
+            </p:cNvPr>
+            <p:cNvSpPr/>
+            <p:nvPr>
+              <p:extLst>
+                <p:ext uri="{386F3935-93C4-4BCD-93E2-E3B085C9AB24}">
+                  <p16:designElem xmlns:p16="http://schemas.microsoft.com/office/powerpoint/2015/main" val="1"/>
+                </p:ext>
+              </p:extLst>
+            </p:nvPr>
+          </p:nvSpPr>
+          <p:spPr bwMode="auto">
+            <a:xfrm>
+              <a:off x="6877576" y="5579"/>
+              <a:ext cx="5037138" cy="6861550"/>
+            </a:xfrm>
+            <a:custGeom>
+              <a:avLst/>
+              <a:gdLst/>
+              <a:ahLst/>
+              <a:cxnLst/>
+              <a:rect l="0" t="0" r="r" b="b"/>
+              <a:pathLst>
+                <a:path w="1058" h="1439">
+                  <a:moveTo>
+                    <a:pt x="1011" y="1439"/>
+                  </a:moveTo>
+                  <a:cubicBezTo>
+                    <a:pt x="1058" y="1131"/>
+                    <a:pt x="825" y="841"/>
+                    <a:pt x="648" y="617"/>
+                  </a:cubicBezTo>
+                  <a:cubicBezTo>
+                    <a:pt x="462" y="383"/>
+                    <a:pt x="248" y="168"/>
+                    <a:pt x="0" y="0"/>
+                  </a:cubicBezTo>
+                </a:path>
+              </a:pathLst>
+            </a:custGeom>
+            <a:noFill/>
+            <a:ln w="9525" cap="flat">
+              <a:solidFill>
+                <a:schemeClr val="tx1">
+                  <a:alpha val="10000"/>
+                </a:schemeClr>
+              </a:solidFill>
+              <a:prstDash val="solid"/>
+              <a:miter lim="800000"/>
+              <a:headEnd/>
+              <a:tailEnd/>
+            </a:ln>
+            <a:extLst>
+              <a:ext uri="{909E8E84-426E-40DD-AFC4-6F175D3DCCD1}">
+                <a14:hiddenFill xmlns:a14="http://schemas.microsoft.com/office/drawing/2010/main">
+                  <a:solidFill>
+                    <a:srgbClr val="FFFFFF"/>
+                  </a:solidFill>
+                </a14:hiddenFill>
+              </a:ext>
+            </a:extLst>
+          </p:spPr>
+        </p:sp>
+        <p:sp>
+          <p:nvSpPr>
+            <p:cNvPr id="52" name="Freeform 20">
+              <a:extLst>
+                <a:ext uri="{FF2B5EF4-FFF2-40B4-BE49-F238E27FC236}">
+                  <a16:creationId xmlns:a16="http://schemas.microsoft.com/office/drawing/2014/main" id="{78EDA1A4-47D4-4C8C-94C1-20520CA08E4A}"/>
+                </a:ext>
+              </a:extLst>
+            </p:cNvPr>
+            <p:cNvSpPr/>
+            <p:nvPr>
+              <p:extLst>
+                <p:ext uri="{386F3935-93C4-4BCD-93E2-E3B085C9AB24}">
+                  <p16:designElem xmlns:p16="http://schemas.microsoft.com/office/powerpoint/2015/main" val="1"/>
+                </p:ext>
+              </p:extLst>
+            </p:nvPr>
+          </p:nvSpPr>
+          <p:spPr bwMode="auto">
+            <a:xfrm>
+              <a:off x="8768289" y="5579"/>
+              <a:ext cx="3417888" cy="2742066"/>
+            </a:xfrm>
+            <a:custGeom>
+              <a:avLst/>
+              <a:gdLst/>
+              <a:ahLst/>
+              <a:cxnLst/>
+              <a:rect l="0" t="0" r="r" b="b"/>
+              <a:pathLst>
+                <a:path w="718" h="575">
+                  <a:moveTo>
+                    <a:pt x="718" y="575"/>
+                  </a:moveTo>
+                  <a:cubicBezTo>
+                    <a:pt x="500" y="360"/>
+                    <a:pt x="260" y="163"/>
+                    <a:pt x="0" y="0"/>
+                  </a:cubicBezTo>
+                </a:path>
+              </a:pathLst>
+            </a:custGeom>
+            <a:noFill/>
+            <a:ln w="9525" cap="flat">
+              <a:solidFill>
+                <a:schemeClr val="tx1">
+                  <a:alpha val="10000"/>
+                </a:schemeClr>
+              </a:solidFill>
+              <a:prstDash val="solid"/>
+              <a:miter lim="800000"/>
+              <a:headEnd/>
+              <a:tailEnd/>
+            </a:ln>
+            <a:extLst>
+              <a:ext uri="{909E8E84-426E-40DD-AFC4-6F175D3DCCD1}">
+                <a14:hiddenFill xmlns:a14="http://schemas.microsoft.com/office/drawing/2010/main">
+                  <a:solidFill>
+                    <a:srgbClr val="FFFFFF"/>
+                  </a:solidFill>
+                </a14:hiddenFill>
+              </a:ext>
+            </a:extLst>
+          </p:spPr>
+        </p:sp>
+        <p:sp>
+          <p:nvSpPr>
+            <p:cNvPr id="53" name="Freeform 21">
+              <a:extLst>
+                <a:ext uri="{FF2B5EF4-FFF2-40B4-BE49-F238E27FC236}">
+                  <a16:creationId xmlns:a16="http://schemas.microsoft.com/office/drawing/2014/main" id="{EF948F9B-2B64-4D46-B645-564490CD551C}"/>
+                </a:ext>
+              </a:extLst>
+            </p:cNvPr>
+            <p:cNvSpPr/>
+            <p:nvPr>
+              <p:extLst>
+                <p:ext uri="{386F3935-93C4-4BCD-93E2-E3B085C9AB24}">
+                  <p16:designElem xmlns:p16="http://schemas.microsoft.com/office/powerpoint/2015/main" val="1"/>
+                </p:ext>
+              </p:extLst>
+            </p:nvPr>
+          </p:nvSpPr>
+          <p:spPr bwMode="auto">
+            <a:xfrm>
+              <a:off x="9235014" y="10367"/>
+              <a:ext cx="2951163" cy="2555325"/>
+            </a:xfrm>
+            <a:custGeom>
+              <a:avLst/>
+              <a:gdLst/>
+              <a:ahLst/>
+              <a:cxnLst/>
+              <a:rect l="0" t="0" r="r" b="b"/>
+              <a:pathLst>
+                <a:path w="620" h="536">
+                  <a:moveTo>
+                    <a:pt x="620" y="536"/>
+                  </a:moveTo>
+                  <a:cubicBezTo>
+                    <a:pt x="404" y="314"/>
+                    <a:pt x="196" y="138"/>
+                    <a:pt x="0" y="0"/>
+                  </a:cubicBezTo>
+                </a:path>
+              </a:pathLst>
+            </a:custGeom>
+            <a:noFill/>
+            <a:ln w="9525" cap="flat">
+              <a:solidFill>
+                <a:schemeClr val="tx1">
+                  <a:alpha val="10000"/>
+                </a:schemeClr>
+              </a:solidFill>
+              <a:prstDash val="solid"/>
+              <a:miter lim="800000"/>
+              <a:headEnd/>
+              <a:tailEnd/>
+            </a:ln>
+            <a:extLst>
+              <a:ext uri="{909E8E84-426E-40DD-AFC4-6F175D3DCCD1}">
+                <a14:hiddenFill xmlns:a14="http://schemas.microsoft.com/office/drawing/2010/main">
+                  <a:solidFill>
+                    <a:srgbClr val="FFFFFF"/>
+                  </a:solidFill>
+                </a14:hiddenFill>
+              </a:ext>
+            </a:extLst>
+          </p:spPr>
+        </p:sp>
+        <p:sp>
+          <p:nvSpPr>
+            <p:cNvPr id="54" name="Freeform 22">
+              <a:extLst>
+                <a:ext uri="{FF2B5EF4-FFF2-40B4-BE49-F238E27FC236}">
+                  <a16:creationId xmlns:a16="http://schemas.microsoft.com/office/drawing/2014/main" id="{95BA89D9-B358-4064-A9B6-44592BB971B7}"/>
+                </a:ext>
+              </a:extLst>
+            </p:cNvPr>
+            <p:cNvSpPr/>
+            <p:nvPr>
+              <p:extLst>
+                <p:ext uri="{386F3935-93C4-4BCD-93E2-E3B085C9AB24}">
+                  <p16:designElem xmlns:p16="http://schemas.microsoft.com/office/powerpoint/2015/main" val="1"/>
+                </p:ext>
+              </p:extLst>
+            </p:nvPr>
+          </p:nvSpPr>
+          <p:spPr bwMode="auto">
+            <a:xfrm>
+              <a:off x="10020826" y="5579"/>
+              <a:ext cx="2165350" cy="1358265"/>
+            </a:xfrm>
+            <a:custGeom>
+              <a:avLst/>
+              <a:gdLst/>
+              <a:ahLst/>
+              <a:cxnLst/>
+              <a:rect l="0" t="0" r="r" b="b"/>
+              <a:pathLst>
+                <a:path w="455" h="285">
+                  <a:moveTo>
+                    <a:pt x="0" y="0"/>
+                  </a:moveTo>
+                  <a:cubicBezTo>
+                    <a:pt x="153" y="85"/>
+                    <a:pt x="308" y="180"/>
+                    <a:pt x="455" y="285"/>
+                  </a:cubicBezTo>
+                </a:path>
+              </a:pathLst>
+            </a:custGeom>
+            <a:noFill/>
+            <a:ln w="9525" cap="flat">
+              <a:solidFill>
+                <a:schemeClr val="tx1">
+                  <a:alpha val="10000"/>
+                </a:schemeClr>
+              </a:solidFill>
+              <a:prstDash val="dash"/>
+              <a:miter lim="800000"/>
+              <a:headEnd/>
+              <a:tailEnd/>
+            </a:ln>
+            <a:extLst>
+              <a:ext uri="{909E8E84-426E-40DD-AFC4-6F175D3DCCD1}">
+                <a14:hiddenFill xmlns:a14="http://schemas.microsoft.com/office/drawing/2010/main">
+                  <a:solidFill>
+                    <a:srgbClr val="FFFFFF"/>
+                  </a:solidFill>
+                </a14:hiddenFill>
+              </a:ext>
+            </a:extLst>
+          </p:spPr>
+        </p:sp>
+        <p:sp>
+          <p:nvSpPr>
+            <p:cNvPr id="55" name="Freeform 23">
+              <a:extLst>
+                <a:ext uri="{FF2B5EF4-FFF2-40B4-BE49-F238E27FC236}">
+                  <a16:creationId xmlns:a16="http://schemas.microsoft.com/office/drawing/2014/main" id="{B1D008F9-9A52-429E-9615-0BB796945BB5}"/>
+                </a:ext>
+              </a:extLst>
+            </p:cNvPr>
+            <p:cNvSpPr/>
+            <p:nvPr>
+              <p:extLst>
+                <p:ext uri="{386F3935-93C4-4BCD-93E2-E3B085C9AB24}">
+                  <p16:designElem xmlns:p16="http://schemas.microsoft.com/office/powerpoint/2015/main" val="1"/>
+                </p:ext>
+              </p:extLst>
+            </p:nvPr>
+          </p:nvSpPr>
+          <p:spPr bwMode="auto">
+            <a:xfrm>
+              <a:off x="11290826" y="5579"/>
+              <a:ext cx="895350" cy="534687"/>
+            </a:xfrm>
+            <a:custGeom>
+              <a:avLst/>
+              <a:gdLst/>
+              <a:ahLst/>
+              <a:cxnLst/>
+              <a:rect l="0" t="0" r="r" b="b"/>
+              <a:pathLst>
+                <a:path w="188" h="112">
+                  <a:moveTo>
+                    <a:pt x="0" y="0"/>
+                  </a:moveTo>
+                  <a:cubicBezTo>
+                    <a:pt x="63" y="36"/>
+                    <a:pt x="126" y="73"/>
+                    <a:pt x="188" y="112"/>
+                  </a:cubicBezTo>
+                </a:path>
+              </a:pathLst>
+            </a:custGeom>
+            <a:noFill/>
+            <a:ln w="9525" cap="flat">
+              <a:solidFill>
+                <a:schemeClr val="tx1">
+                  <a:alpha val="10000"/>
+                </a:schemeClr>
+              </a:solidFill>
+              <a:prstDash val="solid"/>
+              <a:miter lim="800000"/>
+              <a:headEnd/>
+              <a:tailEnd/>
+            </a:ln>
+            <a:extLst>
+              <a:ext uri="{909E8E84-426E-40DD-AFC4-6F175D3DCCD1}">
+                <a14:hiddenFill xmlns:a14="http://schemas.microsoft.com/office/drawing/2010/main">
+                  <a:solidFill>
+                    <a:srgbClr val="FFFFFF"/>
+                  </a:solidFill>
+                </a14:hiddenFill>
+              </a:ext>
+            </a:extLst>
+          </p:spPr>
+        </p:sp>
+      </p:grpSp>
+      <p:sp>
+        <p:nvSpPr>
+          <p:cNvPr id="69" name="Rectangle 56">
+            <a:extLst>
+              <a:ext uri="{FF2B5EF4-FFF2-40B4-BE49-F238E27FC236}">
+                <a16:creationId xmlns:a16="http://schemas.microsoft.com/office/drawing/2014/main" id="{E4BAAF5C-577F-43DB-8ACD-EDAB5A54E6C0}"/>
+              </a:ext>
+            </a:extLst>
+          </p:cNvPr>
+          <p:cNvSpPr>
+            <a:spLocks noGrp="1" noRot="1" noChangeAspect="1" noMove="1" noResize="1" noEditPoints="1" noAdjustHandles="1" noChangeArrowheads="1" noChangeShapeType="1" noTextEdit="1"/>
+          </p:cNvSpPr>
+          <p:nvPr>
+            <p:extLst>
+              <p:ext uri="{386F3935-93C4-4BCD-93E2-E3B085C9AB24}">
+                <p16:designElem xmlns:p16="http://schemas.microsoft.com/office/powerpoint/2015/main" val="1"/>
+              </p:ext>
+            </p:extLst>
+          </p:nvPr>
+        </p:nvSpPr>
+        <p:spPr>
+          <a:xfrm>
+            <a:off x="0" y="0"/>
+            <a:ext cx="12192000" cy="6858000"/>
+          </a:xfrm>
+          <a:prstGeom prst="rect">
+            <a:avLst/>
+          </a:prstGeom>
+          <a:gradFill flip="none" rotWithShape="1">
+            <a:gsLst>
+              <a:gs pos="100000">
+                <a:schemeClr val="tx2">
+                  <a:alpha val="38000"/>
+                </a:schemeClr>
+              </a:gs>
+              <a:gs pos="0">
+                <a:schemeClr val="bg1">
+                  <a:lumMod val="95000"/>
+                  <a:alpha val="12000"/>
+                </a:schemeClr>
+              </a:gs>
+            </a:gsLst>
+            <a:lin ang="18900000" scaled="1"/>
+            <a:tileRect/>
+          </a:gradFill>
+          <a:ln>
+            <a:noFill/>
+          </a:ln>
+        </p:spPr>
+        <p:style>
+          <a:lnRef idx="2">
+            <a:schemeClr val="accent1">
+              <a:shade val="50000"/>
+            </a:schemeClr>
+          </a:lnRef>
+          <a:fillRef idx="1">
+            <a:schemeClr val="accent1"/>
+          </a:fillRef>
+          <a:effectRef idx="0">
+            <a:schemeClr val="accent1"/>
+          </a:effectRef>
+          <a:fontRef idx="minor">
+            <a:schemeClr val="lt1"/>
+          </a:fontRef>
+        </p:style>
+        <p:txBody>
+          <a:bodyPr rtlCol="0" anchor="ctr"/>
+          <a:lstStyle/>
+          <a:p>
+            <a:pPr algn="ctr"/>
             <a:endParaRPr lang="en-US"/>
           </a:p>
         </p:txBody>
       </p:sp>
       <p:sp>
         <p:nvSpPr>
-          <p:cNvPr id="3" name="Text Placeholder 2">
+          <p:cNvPr id="70" name="Isosceles Triangle 58">
             <a:extLst>
               <a:ext uri="{FF2B5EF4-FFF2-40B4-BE49-F238E27FC236}">
-                <a16:creationId xmlns:a16="http://schemas.microsoft.com/office/drawing/2014/main" id="{97855206-BC3D-1B45-AEAD-F3E499B65439}"/>
+                <a16:creationId xmlns:a16="http://schemas.microsoft.com/office/drawing/2014/main" id="{78B6E08A-861F-4A1A-BCF0-69429C5A281C}"/>
               </a:ext>
             </a:extLst>
           </p:cNvPr>
           <p:cNvSpPr>
-            <a:spLocks noGrp="1"/>
+            <a:spLocks noGrp="1" noRot="1" noChangeAspect="1" noMove="1" noResize="1" noEditPoints="1" noAdjustHandles="1" noChangeArrowheads="1" noChangeShapeType="1" noTextEdit="1"/>
           </p:cNvSpPr>
           <p:nvPr>
-            <p:ph type="body" idx="1"/>
+            <p:extLst>
+              <p:ext uri="{386F3935-93C4-4BCD-93E2-E3B085C9AB24}">
+                <p16:designElem xmlns:p16="http://schemas.microsoft.com/office/powerpoint/2015/main" val="1"/>
+              </p:ext>
+            </p:extLst>
           </p:nvPr>
         </p:nvSpPr>
-        <p:spPr/>
-        <p:txBody>
-          <a:bodyPr/>
-          <a:lstStyle/>
-          <a:p>
-            <a:r>
-              <a:rPr lang="en-US" dirty="0"/>
-              <a:t>Best Topics </a:t>
-            </a:r>
-          </a:p>
-        </p:txBody>
-      </p:sp>
-      <p:sp>
-        <p:nvSpPr>
-          <p:cNvPr id="4" name="Content Placeholder 3">
-            <a:extLst>
-              <a:ext uri="{FF2B5EF4-FFF2-40B4-BE49-F238E27FC236}">
-                <a16:creationId xmlns:a16="http://schemas.microsoft.com/office/drawing/2014/main" id="{5479F129-A05B-F148-9E1A-268638508E0B}"/>
-              </a:ext>
-            </a:extLst>
-          </p:cNvPr>
-          <p:cNvSpPr>
-            <a:spLocks noGrp="1"/>
-          </p:cNvSpPr>
-          <p:nvPr>
-            <p:ph sz="half" idx="2"/>
-          </p:nvPr>
-        </p:nvSpPr>
-        <p:spPr/>
+        <p:spPr>
+          <a:xfrm rot="5400000">
+            <a:off x="8025316" y="3342776"/>
+            <a:ext cx="200040" cy="172448"/>
+          </a:xfrm>
+          <a:prstGeom prst="triangle">
+            <a:avLst/>
+          </a:prstGeom>
+          <a:solidFill>
+            <a:schemeClr val="accent1"/>
+          </a:solidFill>
+          <a:ln>
+            <a:noFill/>
+          </a:ln>
+        </p:spPr>
+        <p:style>
+          <a:lnRef idx="2">
+            <a:schemeClr val="accent1">
+              <a:shade val="50000"/>
+            </a:schemeClr>
+          </a:lnRef>
+          <a:fillRef idx="1">
+            <a:schemeClr val="accent1"/>
+          </a:fillRef>
+          <a:effectRef idx="0">
+            <a:schemeClr val="accent1"/>
+          </a:effectRef>
+          <a:fontRef idx="minor">
+            <a:schemeClr val="lt1"/>
+          </a:fontRef>
+        </p:style>
         <p:txBody>
           <a:bodyPr/>
           <a:lstStyle/>
@@ -23446,10 +27860,10 @@
       </p:sp>
       <p:sp>
         <p:nvSpPr>
-          <p:cNvPr id="5" name="Text Placeholder 4">
+          <p:cNvPr id="2" name="Title 1">
             <a:extLst>
               <a:ext uri="{FF2B5EF4-FFF2-40B4-BE49-F238E27FC236}">
-                <a16:creationId xmlns:a16="http://schemas.microsoft.com/office/drawing/2014/main" id="{6484BDCB-AA2A-B640-90DF-071A5E30EEFA}"/>
+                <a16:creationId xmlns:a16="http://schemas.microsoft.com/office/drawing/2014/main" id="{9CA33C73-5FE1-6A45-931E-B4604AA00BE5}"/>
               </a:ext>
             </a:extLst>
           </p:cNvPr>
@@ -23457,27 +27871,43 @@
             <a:spLocks noGrp="1"/>
           </p:cNvSpPr>
           <p:nvPr>
-            <p:ph type="body" sz="quarter" idx="3"/>
+            <p:ph type="title"/>
           </p:nvPr>
         </p:nvSpPr>
-        <p:spPr/>
+        <p:spPr>
+          <a:xfrm>
+            <a:off x="807721" y="760830"/>
+            <a:ext cx="6884244" cy="5336340"/>
+          </a:xfrm>
+        </p:spPr>
         <p:txBody>
-          <a:bodyPr/>
+          <a:bodyPr vert="horz" lIns="228600" tIns="228600" rIns="228600" bIns="0" rtlCol="0" anchor="ctr">
+            <a:normAutofit/>
+          </a:bodyPr>
           <a:lstStyle/>
           <a:p>
+            <a:pPr algn="r">
+              <a:lnSpc>
+                <a:spcPct val="80000"/>
+              </a:lnSpc>
+            </a:pPr>
             <a:r>
-              <a:rPr lang="en-US" dirty="0"/>
-              <a:t>Worst Topics</a:t>
+              <a:rPr lang="en-US" sz="8800">
+                <a:solidFill>
+                  <a:schemeClr val="tx1"/>
+                </a:solidFill>
+              </a:rPr>
+              <a:t>53%</a:t>
             </a:r>
           </a:p>
         </p:txBody>
       </p:sp>
       <p:sp>
         <p:nvSpPr>
-          <p:cNvPr id="6" name="Content Placeholder 5">
+          <p:cNvPr id="3" name="Content Placeholder 2">
             <a:extLst>
               <a:ext uri="{FF2B5EF4-FFF2-40B4-BE49-F238E27FC236}">
-                <a16:creationId xmlns:a16="http://schemas.microsoft.com/office/drawing/2014/main" id="{46DD5F19-321B-684E-AD1C-58321DBB0C7C}"/>
+                <a16:creationId xmlns:a16="http://schemas.microsoft.com/office/drawing/2014/main" id="{D7255D6A-8FC5-C648-9628-D7260C94DF9F}"/>
               </a:ext>
             </a:extLst>
           </p:cNvPr>
@@ -23485,22 +27915,38 @@
             <a:spLocks noGrp="1"/>
           </p:cNvSpPr>
           <p:nvPr>
-            <p:ph sz="quarter" idx="4"/>
+            <p:ph idx="1"/>
           </p:nvPr>
         </p:nvSpPr>
-        <p:spPr/>
+        <p:spPr>
+          <a:xfrm>
+            <a:off x="8318688" y="760830"/>
+            <a:ext cx="3065591" cy="5336340"/>
+          </a:xfrm>
+        </p:spPr>
         <p:txBody>
-          <a:bodyPr/>
+          <a:bodyPr vert="horz" lIns="91440" tIns="0" rIns="91440" bIns="45720" rtlCol="0" anchor="ctr">
+            <a:normAutofit/>
+          </a:bodyPr>
           <a:lstStyle/>
           <a:p>
-            <a:endParaRPr lang="en-US" dirty="0"/>
+            <a:pPr marL="0" indent="0">
+              <a:lnSpc>
+                <a:spcPct val="100000"/>
+              </a:lnSpc>
+              <a:buNone/>
+            </a:pPr>
+            <a:r>
+              <a:rPr lang="en-US" sz="2400"/>
+              <a:t>Correlation between views and comments</a:t>
+            </a:r>
           </a:p>
         </p:txBody>
       </p:sp>
     </p:spTree>
     <p:extLst>
       <p:ext uri="{BB962C8B-B14F-4D97-AF65-F5344CB8AC3E}">
-        <p14:creationId xmlns:p14="http://schemas.microsoft.com/office/powerpoint/2010/main" val="4034638691"/>
+        <p14:creationId xmlns:p14="http://schemas.microsoft.com/office/powerpoint/2010/main" val="974657450"/>
       </p:ext>
     </p:extLst>
   </p:cSld>
@@ -23510,7 +27956,7 @@
 </p:sld>
 </file>
 
-<file path=ppt/slides/slide5.xml><?xml version="1.0" encoding="utf-8"?>
+<file path=ppt/slides/slide6.xml><?xml version="1.0" encoding="utf-8"?>
 <p:sld xmlns:a="http://schemas.openxmlformats.org/drawingml/2006/main" xmlns:r="http://schemas.openxmlformats.org/officeDocument/2006/relationships" xmlns:p="http://schemas.openxmlformats.org/presentationml/2006/main">
   <p:cSld>
     <p:bg>
@@ -25851,7 +30297,7 @@
 </p:sld>
 </file>
 
-<file path=ppt/slides/slide6.xml><?xml version="1.0" encoding="utf-8"?>
+<file path=ppt/slides/slide7.xml><?xml version="1.0" encoding="utf-8"?>
 <p:sld xmlns:a="http://schemas.openxmlformats.org/drawingml/2006/main" xmlns:r="http://schemas.openxmlformats.org/officeDocument/2006/relationships" xmlns:p="http://schemas.openxmlformats.org/presentationml/2006/main">
   <p:cSld>
     <p:bg>
@@ -28182,7 +32628,7 @@
 </p:sld>
 </file>
 
-<file path=ppt/slides/slide7.xml><?xml version="1.0" encoding="utf-8"?>
+<file path=ppt/slides/slide8.xml><?xml version="1.0" encoding="utf-8"?>
 <p:sld xmlns:a="http://schemas.openxmlformats.org/drawingml/2006/main" xmlns:r="http://schemas.openxmlformats.org/officeDocument/2006/relationships" xmlns:p="http://schemas.openxmlformats.org/presentationml/2006/main">
   <p:cSld>
     <p:bg>
@@ -30821,4 +35267,299 @@
     </a:ext>
   </a:extLst>
 </a:theme>
+</file>
+
+<file path=ppt/theme/theme2.xml><?xml version="1.0" encoding="utf-8"?>
+<a:theme xmlns:a="http://schemas.openxmlformats.org/drawingml/2006/main" name="Office Theme">
+  <a:themeElements>
+    <a:clrScheme name="Office">
+      <a:dk1>
+        <a:sysClr val="windowText" lastClr="000000"/>
+      </a:dk1>
+      <a:lt1>
+        <a:sysClr val="window" lastClr="FFFFFF"/>
+      </a:lt1>
+      <a:dk2>
+        <a:srgbClr val="44546A"/>
+      </a:dk2>
+      <a:lt2>
+        <a:srgbClr val="E7E6E6"/>
+      </a:lt2>
+      <a:accent1>
+        <a:srgbClr val="4472C4"/>
+      </a:accent1>
+      <a:accent2>
+        <a:srgbClr val="ED7D31"/>
+      </a:accent2>
+      <a:accent3>
+        <a:srgbClr val="A5A5A5"/>
+      </a:accent3>
+      <a:accent4>
+        <a:srgbClr val="FFC000"/>
+      </a:accent4>
+      <a:accent5>
+        <a:srgbClr val="5B9BD5"/>
+      </a:accent5>
+      <a:accent6>
+        <a:srgbClr val="70AD47"/>
+      </a:accent6>
+      <a:hlink>
+        <a:srgbClr val="0563C1"/>
+      </a:hlink>
+      <a:folHlink>
+        <a:srgbClr val="954F72"/>
+      </a:folHlink>
+    </a:clrScheme>
+    <a:fontScheme name="Office">
+      <a:majorFont>
+        <a:latin typeface="Calibri Light" panose="020F0302020204030204"/>
+        <a:ea typeface=""/>
+        <a:cs typeface=""/>
+        <a:font script="Jpan" typeface="游ゴシック Light"/>
+        <a:font script="Hang" typeface="맑은 고딕"/>
+        <a:font script="Hans" typeface="等线 Light"/>
+        <a:font script="Hant" typeface="新細明體"/>
+        <a:font script="Arab" typeface="Times New Roman"/>
+        <a:font script="Hebr" typeface="Times New Roman"/>
+        <a:font script="Thai" typeface="Angsana New"/>
+        <a:font script="Ethi" typeface="Nyala"/>
+        <a:font script="Beng" typeface="Vrinda"/>
+        <a:font script="Gujr" typeface="Shruti"/>
+        <a:font script="Khmr" typeface="MoolBoran"/>
+        <a:font script="Knda" typeface="Tunga"/>
+        <a:font script="Guru" typeface="Raavi"/>
+        <a:font script="Cans" typeface="Euphemia"/>
+        <a:font script="Cher" typeface="Plantagenet Cherokee"/>
+        <a:font script="Yiii" typeface="Microsoft Yi Baiti"/>
+        <a:font script="Tibt" typeface="Microsoft Himalaya"/>
+        <a:font script="Thaa" typeface="MV Boli"/>
+        <a:font script="Deva" typeface="Mangal"/>
+        <a:font script="Telu" typeface="Gautami"/>
+        <a:font script="Taml" typeface="Latha"/>
+        <a:font script="Syrc" typeface="Estrangelo Edessa"/>
+        <a:font script="Orya" typeface="Kalinga"/>
+        <a:font script="Mlym" typeface="Kartika"/>
+        <a:font script="Laoo" typeface="DokChampa"/>
+        <a:font script="Sinh" typeface="Iskoola Pota"/>
+        <a:font script="Mong" typeface="Mongolian Baiti"/>
+        <a:font script="Viet" typeface="Times New Roman"/>
+        <a:font script="Uigh" typeface="Microsoft Uighur"/>
+        <a:font script="Geor" typeface="Sylfaen"/>
+        <a:font script="Armn" typeface="Arial"/>
+        <a:font script="Bugi" typeface="Leelawadee UI"/>
+        <a:font script="Bopo" typeface="Microsoft JhengHei"/>
+        <a:font script="Java" typeface="Javanese Text"/>
+        <a:font script="Lisu" typeface="Segoe UI"/>
+        <a:font script="Mymr" typeface="Myanmar Text"/>
+        <a:font script="Nkoo" typeface="Ebrima"/>
+        <a:font script="Olck" typeface="Nirmala UI"/>
+        <a:font script="Osma" typeface="Ebrima"/>
+        <a:font script="Phag" typeface="Phagspa"/>
+        <a:font script="Syrn" typeface="Estrangelo Edessa"/>
+        <a:font script="Syrj" typeface="Estrangelo Edessa"/>
+        <a:font script="Syre" typeface="Estrangelo Edessa"/>
+        <a:font script="Sora" typeface="Nirmala UI"/>
+        <a:font script="Tale" typeface="Microsoft Tai Le"/>
+        <a:font script="Talu" typeface="Microsoft New Tai Lue"/>
+        <a:font script="Tfng" typeface="Ebrima"/>
+      </a:majorFont>
+      <a:minorFont>
+        <a:latin typeface="Calibri" panose="020F0502020204030204"/>
+        <a:ea typeface=""/>
+        <a:cs typeface=""/>
+        <a:font script="Jpan" typeface="游ゴシック"/>
+        <a:font script="Hang" typeface="맑은 고딕"/>
+        <a:font script="Hans" typeface="等线"/>
+        <a:font script="Hant" typeface="新細明體"/>
+        <a:font script="Arab" typeface="Arial"/>
+        <a:font script="Hebr" typeface="Arial"/>
+        <a:font script="Thai" typeface="Cordia New"/>
+        <a:font script="Ethi" typeface="Nyala"/>
+        <a:font script="Beng" typeface="Vrinda"/>
+        <a:font script="Gujr" typeface="Shruti"/>
+        <a:font script="Khmr" typeface="DaunPenh"/>
+        <a:font script="Knda" typeface="Tunga"/>
+        <a:font script="Guru" typeface="Raavi"/>
+        <a:font script="Cans" typeface="Euphemia"/>
+        <a:font script="Cher" typeface="Plantagenet Cherokee"/>
+        <a:font script="Yiii" typeface="Microsoft Yi Baiti"/>
+        <a:font script="Tibt" typeface="Microsoft Himalaya"/>
+        <a:font script="Thaa" typeface="MV Boli"/>
+        <a:font script="Deva" typeface="Mangal"/>
+        <a:font script="Telu" typeface="Gautami"/>
+        <a:font script="Taml" typeface="Latha"/>
+        <a:font script="Syrc" typeface="Estrangelo Edessa"/>
+        <a:font script="Orya" typeface="Kalinga"/>
+        <a:font script="Mlym" typeface="Kartika"/>
+        <a:font script="Laoo" typeface="DokChampa"/>
+        <a:font script="Sinh" typeface="Iskoola Pota"/>
+        <a:font script="Mong" typeface="Mongolian Baiti"/>
+        <a:font script="Viet" typeface="Arial"/>
+        <a:font script="Uigh" typeface="Microsoft Uighur"/>
+        <a:font script="Geor" typeface="Sylfaen"/>
+        <a:font script="Armn" typeface="Arial"/>
+        <a:font script="Bugi" typeface="Leelawadee UI"/>
+        <a:font script="Bopo" typeface="Microsoft JhengHei"/>
+        <a:font script="Java" typeface="Javanese Text"/>
+        <a:font script="Lisu" typeface="Segoe UI"/>
+        <a:font script="Mymr" typeface="Myanmar Text"/>
+        <a:font script="Nkoo" typeface="Ebrima"/>
+        <a:font script="Olck" typeface="Nirmala UI"/>
+        <a:font script="Osma" typeface="Ebrima"/>
+        <a:font script="Phag" typeface="Phagspa"/>
+        <a:font script="Syrn" typeface="Estrangelo Edessa"/>
+        <a:font script="Syrj" typeface="Estrangelo Edessa"/>
+        <a:font script="Syre" typeface="Estrangelo Edessa"/>
+        <a:font script="Sora" typeface="Nirmala UI"/>
+        <a:font script="Tale" typeface="Microsoft Tai Le"/>
+        <a:font script="Talu" typeface="Microsoft New Tai Lue"/>
+        <a:font script="Tfng" typeface="Ebrima"/>
+      </a:minorFont>
+    </a:fontScheme>
+    <a:fmtScheme name="Office">
+      <a:fillStyleLst>
+        <a:solidFill>
+          <a:schemeClr val="phClr"/>
+        </a:solidFill>
+        <a:gradFill rotWithShape="1">
+          <a:gsLst>
+            <a:gs pos="0">
+              <a:schemeClr val="phClr">
+                <a:lumMod val="110000"/>
+                <a:satMod val="105000"/>
+                <a:tint val="67000"/>
+              </a:schemeClr>
+            </a:gs>
+            <a:gs pos="50000">
+              <a:schemeClr val="phClr">
+                <a:lumMod val="105000"/>
+                <a:satMod val="103000"/>
+                <a:tint val="73000"/>
+              </a:schemeClr>
+            </a:gs>
+            <a:gs pos="100000">
+              <a:schemeClr val="phClr">
+                <a:lumMod val="105000"/>
+                <a:satMod val="109000"/>
+                <a:tint val="81000"/>
+              </a:schemeClr>
+            </a:gs>
+          </a:gsLst>
+          <a:lin ang="5400000" scaled="0"/>
+        </a:gradFill>
+        <a:gradFill rotWithShape="1">
+          <a:gsLst>
+            <a:gs pos="0">
+              <a:schemeClr val="phClr">
+                <a:satMod val="103000"/>
+                <a:lumMod val="102000"/>
+                <a:tint val="94000"/>
+              </a:schemeClr>
+            </a:gs>
+            <a:gs pos="50000">
+              <a:schemeClr val="phClr">
+                <a:satMod val="110000"/>
+                <a:lumMod val="100000"/>
+                <a:shade val="100000"/>
+              </a:schemeClr>
+            </a:gs>
+            <a:gs pos="100000">
+              <a:schemeClr val="phClr">
+                <a:lumMod val="99000"/>
+                <a:satMod val="120000"/>
+                <a:shade val="78000"/>
+              </a:schemeClr>
+            </a:gs>
+          </a:gsLst>
+          <a:lin ang="5400000" scaled="0"/>
+        </a:gradFill>
+      </a:fillStyleLst>
+      <a:lnStyleLst>
+        <a:ln w="6350" cap="flat" cmpd="sng" algn="ctr">
+          <a:solidFill>
+            <a:schemeClr val="phClr"/>
+          </a:solidFill>
+          <a:prstDash val="solid"/>
+          <a:miter lim="800000"/>
+        </a:ln>
+        <a:ln w="12700" cap="flat" cmpd="sng" algn="ctr">
+          <a:solidFill>
+            <a:schemeClr val="phClr"/>
+          </a:solidFill>
+          <a:prstDash val="solid"/>
+          <a:miter lim="800000"/>
+        </a:ln>
+        <a:ln w="19050" cap="flat" cmpd="sng" algn="ctr">
+          <a:solidFill>
+            <a:schemeClr val="phClr"/>
+          </a:solidFill>
+          <a:prstDash val="solid"/>
+          <a:miter lim="800000"/>
+        </a:ln>
+      </a:lnStyleLst>
+      <a:effectStyleLst>
+        <a:effectStyle>
+          <a:effectLst/>
+        </a:effectStyle>
+        <a:effectStyle>
+          <a:effectLst/>
+        </a:effectStyle>
+        <a:effectStyle>
+          <a:effectLst>
+            <a:outerShdw blurRad="57150" dist="19050" dir="5400000" algn="ctr" rotWithShape="0">
+              <a:srgbClr val="000000">
+                <a:alpha val="63000"/>
+              </a:srgbClr>
+            </a:outerShdw>
+          </a:effectLst>
+        </a:effectStyle>
+      </a:effectStyleLst>
+      <a:bgFillStyleLst>
+        <a:solidFill>
+          <a:schemeClr val="phClr"/>
+        </a:solidFill>
+        <a:solidFill>
+          <a:schemeClr val="phClr">
+            <a:tint val="95000"/>
+            <a:satMod val="170000"/>
+          </a:schemeClr>
+        </a:solidFill>
+        <a:gradFill rotWithShape="1">
+          <a:gsLst>
+            <a:gs pos="0">
+              <a:schemeClr val="phClr">
+                <a:tint val="93000"/>
+                <a:satMod val="150000"/>
+                <a:shade val="98000"/>
+                <a:lumMod val="102000"/>
+              </a:schemeClr>
+            </a:gs>
+            <a:gs pos="50000">
+              <a:schemeClr val="phClr">
+                <a:tint val="98000"/>
+                <a:satMod val="130000"/>
+                <a:shade val="90000"/>
+                <a:lumMod val="103000"/>
+              </a:schemeClr>
+            </a:gs>
+            <a:gs pos="100000">
+              <a:schemeClr val="phClr">
+                <a:shade val="63000"/>
+                <a:satMod val="120000"/>
+              </a:schemeClr>
+            </a:gs>
+          </a:gsLst>
+          <a:lin ang="5400000" scaled="0"/>
+        </a:gradFill>
+      </a:bgFillStyleLst>
+    </a:fmtScheme>
+  </a:themeElements>
+  <a:objectDefaults/>
+  <a:extraClrSchemeLst/>
+  <a:extLst>
+    <a:ext uri="{05A4C25C-085E-4340-85A3-A5531E510DB2}">
+      <thm15:themeFamily xmlns:thm15="http://schemas.microsoft.com/office/thememl/2012/main" name="Office Theme" id="{62F939B6-93AF-4DB8-9C6B-D6C7DFDC589F}" vid="{4A3C46E8-61CC-4603-A589-7422A47A8E4A}"/>
+    </a:ext>
+  </a:extLst>
+</a:theme>
 </file>